--- a/第五章 树与二叉树/5.5 树与二叉树的应用/图.pptx
+++ b/第五章 树与二叉树/5.5 树与二叉树的应用/图.pptx
@@ -6,11 +6,16 @@
   </p:sldMasterIdLst>
   <p:sldIdLst>
     <p:sldId id="256" r:id="rId3"/>
+    <p:sldId id="258" r:id="rId4"/>
+    <p:sldId id="259" r:id="rId5"/>
+    <p:sldId id="260" r:id="rId6"/>
+    <p:sldId id="261" r:id="rId7"/>
+    <p:sldId id="262" r:id="rId8"/>
   </p:sldIdLst>
   <p:sldSz cx="12192000" cy="6858000"/>
   <p:notesSz cx="6858000" cy="9144000"/>
   <p:custDataLst>
-    <p:tags r:id="rId7"/>
+    <p:tags r:id="rId12"/>
   </p:custDataLst>
   <p:defaultTextStyle>
     <a:defPPr>
@@ -690,178 +695,6 @@
           <a:chExt cx="0" cy="0"/>
         </a:xfrm>
       </p:grpSpPr>
-      <p:sp>
-        <p:nvSpPr>
-          <p:cNvPr id="2" name="标题 1"/>
-          <p:cNvSpPr>
-            <a:spLocks noGrp="1"/>
-          </p:cNvSpPr>
-          <p:nvPr>
-            <p:ph type="title"/>
-            <p:custDataLst>
-              <p:tags r:id="rId2"/>
-            </p:custDataLst>
-          </p:nvPr>
-        </p:nvSpPr>
-        <p:spPr>
-          <a:xfrm>
-            <a:off x="608400" y="608400"/>
-            <a:ext cx="10969200" cy="705600"/>
-          </a:xfrm>
-        </p:spPr>
-        <p:txBody>
-          <a:bodyPr vert="horz" lIns="90000" tIns="46800" rIns="90000" bIns="46800" rtlCol="0" anchor="ctr" anchorCtr="0">
-            <a:normAutofit/>
-          </a:bodyPr>
-          <a:lstStyle/>
-          <a:p>
-            <a:pPr lvl="0"/>
-            <a:r>
-              <a:rPr lang="zh-CN" altLang="en-US" smtClean="0"/>
-              <a:t>单击此处编辑母版标题样式</a:t>
-            </a:r>
-            <a:endParaRPr lang="zh-CN" altLang="en-US"/>
-          </a:p>
-        </p:txBody>
-      </p:sp>
-      <p:sp>
-        <p:nvSpPr>
-          <p:cNvPr id="3" name="内容占位符 2"/>
-          <p:cNvSpPr>
-            <a:spLocks noGrp="1"/>
-          </p:cNvSpPr>
-          <p:nvPr>
-            <p:ph idx="1"/>
-            <p:custDataLst>
-              <p:tags r:id="rId3"/>
-            </p:custDataLst>
-          </p:nvPr>
-        </p:nvSpPr>
-        <p:spPr>
-          <a:xfrm>
-            <a:off x="608400" y="1490400"/>
-            <a:ext cx="10969200" cy="4759200"/>
-          </a:xfrm>
-        </p:spPr>
-        <p:txBody>
-          <a:bodyPr vert="horz" lIns="90000" tIns="46800" rIns="90000" bIns="46800" rtlCol="0">
-            <a:normAutofit/>
-          </a:bodyPr>
-          <a:lstStyle/>
-          <a:p>
-            <a:pPr lvl="0"/>
-            <a:r>
-              <a:rPr lang="zh-CN" altLang="en-US" smtClean="0"/>
-              <a:t>单击此处编辑母版文本样式</a:t>
-            </a:r>
-            <a:endParaRPr lang="zh-CN" altLang="en-US" smtClean="0"/>
-          </a:p>
-          <a:p>
-            <a:pPr lvl="1"/>
-            <a:r>
-              <a:rPr lang="zh-CN" altLang="en-US" smtClean="0"/>
-              <a:t>第二级</a:t>
-            </a:r>
-            <a:endParaRPr lang="zh-CN" altLang="en-US" smtClean="0"/>
-          </a:p>
-          <a:p>
-            <a:pPr lvl="2"/>
-            <a:r>
-              <a:rPr lang="zh-CN" altLang="en-US" smtClean="0"/>
-              <a:t>第三级</a:t>
-            </a:r>
-            <a:endParaRPr lang="zh-CN" altLang="en-US" smtClean="0"/>
-          </a:p>
-          <a:p>
-            <a:pPr lvl="3"/>
-            <a:r>
-              <a:rPr lang="zh-CN" altLang="en-US" smtClean="0"/>
-              <a:t>第四级</a:t>
-            </a:r>
-            <a:endParaRPr lang="zh-CN" altLang="en-US" smtClean="0"/>
-          </a:p>
-          <a:p>
-            <a:pPr lvl="4"/>
-            <a:r>
-              <a:rPr lang="zh-CN" altLang="en-US" smtClean="0"/>
-              <a:t>第五级</a:t>
-            </a:r>
-            <a:endParaRPr lang="zh-CN" altLang="en-US"/>
-          </a:p>
-        </p:txBody>
-      </p:sp>
-      <p:sp>
-        <p:nvSpPr>
-          <p:cNvPr id="4" name="日期占位符 3"/>
-          <p:cNvSpPr>
-            <a:spLocks noGrp="1"/>
-          </p:cNvSpPr>
-          <p:nvPr>
-            <p:ph type="dt" sz="half" idx="10"/>
-            <p:custDataLst>
-              <p:tags r:id="rId4"/>
-            </p:custDataLst>
-          </p:nvPr>
-        </p:nvSpPr>
-        <p:spPr/>
-        <p:txBody>
-          <a:bodyPr/>
-          <a:lstStyle/>
-          <a:p>
-            <a:fld id="{760FBDFE-C587-4B4C-A407-44438C67B59E}" type="datetimeFigureOut">
-              <a:rPr lang="zh-CN" altLang="en-US" smtClean="0"/>
-            </a:fld>
-            <a:endParaRPr lang="zh-CN" altLang="en-US"/>
-          </a:p>
-        </p:txBody>
-      </p:sp>
-      <p:sp>
-        <p:nvSpPr>
-          <p:cNvPr id="5" name="页脚占位符 4"/>
-          <p:cNvSpPr>
-            <a:spLocks noGrp="1"/>
-          </p:cNvSpPr>
-          <p:nvPr>
-            <p:ph type="ftr" sz="quarter" idx="11"/>
-            <p:custDataLst>
-              <p:tags r:id="rId5"/>
-            </p:custDataLst>
-          </p:nvPr>
-        </p:nvSpPr>
-        <p:spPr/>
-        <p:txBody>
-          <a:bodyPr/>
-          <a:lstStyle/>
-          <a:p>
-            <a:endParaRPr lang="zh-CN" altLang="en-US"/>
-          </a:p>
-        </p:txBody>
-      </p:sp>
-      <p:sp>
-        <p:nvSpPr>
-          <p:cNvPr id="6" name="灯片编号占位符 5"/>
-          <p:cNvSpPr>
-            <a:spLocks noGrp="1"/>
-          </p:cNvSpPr>
-          <p:nvPr>
-            <p:ph type="sldNum" sz="quarter" idx="12"/>
-            <p:custDataLst>
-              <p:tags r:id="rId6"/>
-            </p:custDataLst>
-          </p:nvPr>
-        </p:nvSpPr>
-        <p:spPr/>
-        <p:txBody>
-          <a:bodyPr/>
-          <a:lstStyle/>
-          <a:p>
-            <a:fld id="{49AE70B2-8BF9-45C0-BB95-33D1B9D3A854}" type="slidenum">
-              <a:rPr lang="zh-CN" altLang="en-US" smtClean="0"/>
-            </a:fld>
-            <a:endParaRPr lang="zh-CN" altLang="en-US"/>
-          </a:p>
-        </p:txBody>
-      </p:sp>
     </p:spTree>
   </p:cSld>
   <p:clrMapOvr>
@@ -3495,6 +3328,1128 @@
 </p:sld>
 </file>
 
+<file path=ppt/slides/slide2.xml><?xml version="1.0" encoding="utf-8"?>
+<p:sld xmlns:a="http://schemas.openxmlformats.org/drawingml/2006/main" xmlns:r="http://schemas.openxmlformats.org/officeDocument/2006/relationships" xmlns:p="http://schemas.openxmlformats.org/presentationml/2006/main">
+  <p:cSld>
+    <p:spTree>
+      <p:nvGrpSpPr>
+        <p:cNvPr id="1" name=""/>
+        <p:cNvGrpSpPr/>
+        <p:nvPr/>
+      </p:nvGrpSpPr>
+      <p:grpSpPr/>
+      <p:pic>
+        <p:nvPicPr>
+          <p:cNvPr id="2" name="图片 1" descr="graph (1)"/>
+          <p:cNvPicPr>
+            <a:picLocks noChangeAspect="1"/>
+          </p:cNvPicPr>
+          <p:nvPr/>
+        </p:nvPicPr>
+        <p:blipFill>
+          <a:blip r:embed="rId1"/>
+          <a:srcRect l="6681" t="5449" r="5696" b="15884"/>
+          <a:stretch>
+            <a:fillRect/>
+          </a:stretch>
+        </p:blipFill>
+        <p:spPr>
+          <a:xfrm>
+            <a:off x="1161415" y="884555"/>
+            <a:ext cx="3839210" cy="3446780"/>
+          </a:xfrm>
+          <a:prstGeom prst="rect">
+            <a:avLst/>
+          </a:prstGeom>
+          <a:ln>
+            <a:solidFill>
+              <a:schemeClr val="accent1"/>
+            </a:solidFill>
+          </a:ln>
+        </p:spPr>
+      </p:pic>
+    </p:spTree>
+    <p:custDataLst>
+      <p:tags r:id="rId2"/>
+    </p:custDataLst>
+  </p:cSld>
+  <p:clrMapOvr>
+    <a:masterClrMapping/>
+  </p:clrMapOvr>
+</p:sld>
+</file>
+
+<file path=ppt/slides/slide3.xml><?xml version="1.0" encoding="utf-8"?>
+<p:sld xmlns:a="http://schemas.openxmlformats.org/drawingml/2006/main" xmlns:r="http://schemas.openxmlformats.org/officeDocument/2006/relationships" xmlns:p="http://schemas.openxmlformats.org/presentationml/2006/main">
+  <p:cSld>
+    <p:spTree>
+      <p:nvGrpSpPr>
+        <p:cNvPr id="1" name=""/>
+        <p:cNvGrpSpPr/>
+        <p:nvPr/>
+      </p:nvGrpSpPr>
+      <p:grpSpPr/>
+      <p:pic>
+        <p:nvPicPr>
+          <p:cNvPr id="2" name="图片 1" descr="1"/>
+          <p:cNvPicPr>
+            <a:picLocks noChangeAspect="1"/>
+          </p:cNvPicPr>
+          <p:nvPr/>
+        </p:nvPicPr>
+        <p:blipFill>
+          <a:blip r:embed="rId1"/>
+          <a:srcRect l="4478" t="5548" r="4785" b="15949"/>
+          <a:stretch>
+            <a:fillRect/>
+          </a:stretch>
+        </p:blipFill>
+        <p:spPr>
+          <a:xfrm>
+            <a:off x="678180" y="793115"/>
+            <a:ext cx="5635625" cy="3656965"/>
+          </a:xfrm>
+          <a:prstGeom prst="rect">
+            <a:avLst/>
+          </a:prstGeom>
+          <a:ln>
+            <a:solidFill>
+              <a:schemeClr val="accent1"/>
+            </a:solidFill>
+          </a:ln>
+        </p:spPr>
+      </p:pic>
+    </p:spTree>
+    <p:custDataLst>
+      <p:tags r:id="rId2"/>
+    </p:custDataLst>
+  </p:cSld>
+  <p:clrMapOvr>
+    <a:masterClrMapping/>
+  </p:clrMapOvr>
+</p:sld>
+</file>
+
+<file path=ppt/slides/slide4.xml><?xml version="1.0" encoding="utf-8"?>
+<p:sld xmlns:a="http://schemas.openxmlformats.org/drawingml/2006/main" xmlns:r="http://schemas.openxmlformats.org/officeDocument/2006/relationships" xmlns:p="http://schemas.openxmlformats.org/presentationml/2006/main">
+  <p:cSld>
+    <p:spTree>
+      <p:nvGrpSpPr>
+        <p:cNvPr id="1" name=""/>
+        <p:cNvGrpSpPr/>
+        <p:nvPr/>
+      </p:nvGrpSpPr>
+      <p:grpSpPr/>
+      <p:grpSp>
+        <p:nvGrpSpPr>
+          <p:cNvPr id="4" name="组合 3"/>
+          <p:cNvGrpSpPr/>
+          <p:nvPr/>
+        </p:nvGrpSpPr>
+        <p:grpSpPr>
+          <a:xfrm>
+            <a:off x="1826260" y="253365"/>
+            <a:ext cx="5219984" cy="1009015"/>
+            <a:chOff x="2876" y="399"/>
+            <a:chExt cx="8900" cy="1589"/>
+          </a:xfrm>
+        </p:grpSpPr>
+        <p:sp>
+          <p:nvSpPr>
+            <p:cNvPr id="2" name="文本框 1"/>
+            <p:cNvSpPr txBox="1"/>
+            <p:nvPr/>
+          </p:nvSpPr>
+          <p:spPr>
+            <a:xfrm>
+              <a:off x="2876" y="399"/>
+              <a:ext cx="8900" cy="919"/>
+            </a:xfrm>
+            <a:prstGeom prst="rect">
+              <a:avLst/>
+            </a:prstGeom>
+            <a:noFill/>
+          </p:spPr>
+          <p:txBody>
+            <a:bodyPr wrap="square" rtlCol="0" anchor="t">
+              <a:spAutoFit/>
+            </a:bodyPr>
+            <a:p>
+              <a:r>
+                <a:rPr lang="zh-CN" altLang="en-US" sz="3200">
+                  <a:solidFill>
+                    <a:srgbClr val="FF0000"/>
+                  </a:solidFill>
+                  <a:latin typeface="Consolas" panose="020B0609020204030204" charset="0"/>
+                  <a:cs typeface="Consolas" panose="020B0609020204030204" charset="0"/>
+                </a:rPr>
+                <a:t>0100</a:t>
+              </a:r>
+              <a:r>
+                <a:rPr lang="zh-CN" altLang="en-US" sz="3200">
+                  <a:solidFill>
+                    <a:schemeClr val="accent4">
+                      <a:lumMod val="75000"/>
+                    </a:schemeClr>
+                  </a:solidFill>
+                  <a:latin typeface="Consolas" panose="020B0609020204030204" charset="0"/>
+                  <a:cs typeface="Consolas" panose="020B0609020204030204" charset="0"/>
+                </a:rPr>
+                <a:t>011</a:t>
+              </a:r>
+              <a:r>
+                <a:rPr lang="zh-CN" altLang="en-US" sz="3200">
+                  <a:solidFill>
+                    <a:srgbClr val="00B0F0"/>
+                  </a:solidFill>
+                  <a:latin typeface="Consolas" panose="020B0609020204030204" charset="0"/>
+                  <a:cs typeface="Consolas" panose="020B0609020204030204" charset="0"/>
+                </a:rPr>
+                <a:t>001</a:t>
+              </a:r>
+              <a:r>
+                <a:rPr lang="zh-CN" altLang="en-US" sz="3200">
+                  <a:solidFill>
+                    <a:schemeClr val="accent2">
+                      <a:lumMod val="60000"/>
+                      <a:lumOff val="40000"/>
+                    </a:schemeClr>
+                  </a:solidFill>
+                  <a:latin typeface="Consolas" panose="020B0609020204030204" charset="0"/>
+                  <a:cs typeface="Consolas" panose="020B0609020204030204" charset="0"/>
+                </a:rPr>
+                <a:t>001</a:t>
+              </a:r>
+              <a:r>
+                <a:rPr lang="zh-CN" altLang="en-US" sz="3200">
+                  <a:solidFill>
+                    <a:schemeClr val="accent4">
+                      <a:lumMod val="75000"/>
+                    </a:schemeClr>
+                  </a:solidFill>
+                  <a:latin typeface="Consolas" panose="020B0609020204030204" charset="0"/>
+                  <a:cs typeface="Consolas" panose="020B0609020204030204" charset="0"/>
+                </a:rPr>
+                <a:t>011</a:t>
+              </a:r>
+              <a:r>
+                <a:rPr lang="zh-CN" altLang="en-US" sz="3200">
+                  <a:solidFill>
+                    <a:schemeClr val="accent3">
+                      <a:lumMod val="75000"/>
+                    </a:schemeClr>
+                  </a:solidFill>
+                  <a:latin typeface="Consolas" panose="020B0609020204030204" charset="0"/>
+                  <a:cs typeface="Consolas" panose="020B0609020204030204" charset="0"/>
+                </a:rPr>
+                <a:t>11</a:t>
+              </a:r>
+              <a:r>
+                <a:rPr lang="zh-CN" altLang="en-US" sz="3200">
+                  <a:solidFill>
+                    <a:schemeClr val="tx1">
+                      <a:lumMod val="50000"/>
+                      <a:lumOff val="50000"/>
+                    </a:schemeClr>
+                  </a:solidFill>
+                  <a:latin typeface="Consolas" panose="020B0609020204030204" charset="0"/>
+                  <a:cs typeface="Consolas" panose="020B0609020204030204" charset="0"/>
+                </a:rPr>
+                <a:t>0101</a:t>
+              </a:r>
+              <a:endParaRPr lang="zh-CN" altLang="en-US" sz="3200">
+                <a:solidFill>
+                  <a:schemeClr val="tx1">
+                    <a:lumMod val="50000"/>
+                    <a:lumOff val="50000"/>
+                  </a:schemeClr>
+                </a:solidFill>
+                <a:latin typeface="Consolas" panose="020B0609020204030204" charset="0"/>
+                <a:cs typeface="Consolas" panose="020B0609020204030204" charset="0"/>
+              </a:endParaRPr>
+            </a:p>
+          </p:txBody>
+        </p:sp>
+        <p:sp>
+          <p:nvSpPr>
+            <p:cNvPr id="3" name="文本框 2"/>
+            <p:cNvSpPr txBox="1"/>
+            <p:nvPr/>
+          </p:nvSpPr>
+          <p:spPr>
+            <a:xfrm>
+              <a:off x="2978" y="1263"/>
+              <a:ext cx="8796" cy="725"/>
+            </a:xfrm>
+            <a:prstGeom prst="rect">
+              <a:avLst/>
+            </a:prstGeom>
+            <a:noFill/>
+          </p:spPr>
+          <p:txBody>
+            <a:bodyPr wrap="square" rtlCol="0">
+              <a:spAutoFit/>
+            </a:bodyPr>
+            <a:p>
+              <a:r>
+                <a:rPr lang="en-US" altLang="zh-CN" sz="2400">
+                  <a:latin typeface="Consolas" panose="020B0609020204030204" charset="0"/>
+                  <a:cs typeface="Consolas" panose="020B0609020204030204" charset="0"/>
+                </a:rPr>
+                <a:t>   a   f   e   e   f  g   d  </a:t>
+              </a:r>
+              <a:endParaRPr lang="en-US" altLang="zh-CN" sz="2400">
+                <a:latin typeface="Consolas" panose="020B0609020204030204" charset="0"/>
+                <a:cs typeface="Consolas" panose="020B0609020204030204" charset="0"/>
+              </a:endParaRPr>
+            </a:p>
+          </p:txBody>
+        </p:sp>
+      </p:grpSp>
+    </p:spTree>
+    <p:custDataLst>
+      <p:tags r:id="rId1"/>
+    </p:custDataLst>
+  </p:cSld>
+  <p:clrMapOvr>
+    <a:masterClrMapping/>
+  </p:clrMapOvr>
+</p:sld>
+</file>
+
+<file path=ppt/slides/slide5.xml><?xml version="1.0" encoding="utf-8"?>
+<p:sld xmlns:a="http://schemas.openxmlformats.org/drawingml/2006/main" xmlns:r="http://schemas.openxmlformats.org/officeDocument/2006/relationships" xmlns:p="http://schemas.openxmlformats.org/presentationml/2006/main">
+  <p:cSld>
+    <p:spTree>
+      <p:nvGrpSpPr>
+        <p:cNvPr id="1" name=""/>
+        <p:cNvGrpSpPr/>
+        <p:nvPr/>
+      </p:nvGrpSpPr>
+      <p:grpSpPr/>
+      <p:grpSp>
+        <p:nvGrpSpPr>
+          <p:cNvPr id="20" name="组合 19"/>
+          <p:cNvGrpSpPr/>
+          <p:nvPr/>
+        </p:nvGrpSpPr>
+        <p:grpSpPr>
+          <a:xfrm>
+            <a:off x="1303020" y="920750"/>
+            <a:ext cx="3829685" cy="3437890"/>
+            <a:chOff x="2052" y="1450"/>
+            <a:chExt cx="6031" cy="5414"/>
+          </a:xfrm>
+        </p:grpSpPr>
+        <p:pic>
+          <p:nvPicPr>
+            <p:cNvPr id="3" name="图片 2" descr="graph (2)"/>
+            <p:cNvPicPr>
+              <a:picLocks noChangeAspect="1"/>
+            </p:cNvPicPr>
+            <p:nvPr/>
+          </p:nvPicPr>
+          <p:blipFill>
+            <a:blip r:embed="rId1"/>
+            <a:srcRect l="6377" t="5029" r="6217" b="16507"/>
+            <a:stretch>
+              <a:fillRect/>
+            </a:stretch>
+          </p:blipFill>
+          <p:spPr>
+            <a:xfrm>
+              <a:off x="2052" y="1450"/>
+              <a:ext cx="6031" cy="5414"/>
+            </a:xfrm>
+            <a:prstGeom prst="rect">
+              <a:avLst/>
+            </a:prstGeom>
+            <a:ln>
+              <a:solidFill>
+                <a:schemeClr val="accent1"/>
+              </a:solidFill>
+            </a:ln>
+          </p:spPr>
+        </p:pic>
+        <p:sp>
+          <p:nvSpPr>
+            <p:cNvPr id="5" name="文本框 4"/>
+            <p:cNvSpPr txBox="1"/>
+            <p:nvPr>
+              <p:custDataLst>
+                <p:tags r:id="rId2"/>
+              </p:custDataLst>
+            </p:nvPr>
+          </p:nvSpPr>
+          <p:spPr>
+            <a:xfrm>
+              <a:off x="4055" y="1809"/>
+              <a:ext cx="560" cy="580"/>
+            </a:xfrm>
+            <a:prstGeom prst="rect">
+              <a:avLst/>
+            </a:prstGeom>
+            <a:noFill/>
+          </p:spPr>
+          <p:txBody>
+            <a:bodyPr wrap="square" rtlCol="0">
+              <a:spAutoFit/>
+            </a:bodyPr>
+            <a:p>
+              <a:r>
+                <a:rPr lang="en-US" altLang="zh-CN" b="1">
+                  <a:solidFill>
+                    <a:srgbClr val="00B0F0"/>
+                  </a:solidFill>
+                  <a:latin typeface="Consolas" panose="020B0609020204030204" charset="0"/>
+                  <a:cs typeface="Consolas" panose="020B0609020204030204" charset="0"/>
+                </a:rPr>
+                <a:t>0</a:t>
+              </a:r>
+              <a:endParaRPr lang="en-US" altLang="zh-CN" b="1">
+                <a:solidFill>
+                  <a:srgbClr val="00B0F0"/>
+                </a:solidFill>
+                <a:latin typeface="Consolas" panose="020B0609020204030204" charset="0"/>
+                <a:cs typeface="Consolas" panose="020B0609020204030204" charset="0"/>
+              </a:endParaRPr>
+            </a:p>
+          </p:txBody>
+        </p:sp>
+        <p:sp>
+          <p:nvSpPr>
+            <p:cNvPr id="4" name="文本框 3"/>
+            <p:cNvSpPr txBox="1"/>
+            <p:nvPr>
+              <p:custDataLst>
+                <p:tags r:id="rId3"/>
+              </p:custDataLst>
+            </p:nvPr>
+          </p:nvSpPr>
+          <p:spPr>
+            <a:xfrm>
+              <a:off x="2201" y="3216"/>
+              <a:ext cx="560" cy="580"/>
+            </a:xfrm>
+            <a:prstGeom prst="rect">
+              <a:avLst/>
+            </a:prstGeom>
+            <a:noFill/>
+          </p:spPr>
+          <p:txBody>
+            <a:bodyPr wrap="square" rtlCol="0">
+              <a:spAutoFit/>
+            </a:bodyPr>
+            <a:p>
+              <a:r>
+                <a:rPr lang="en-US" altLang="zh-CN" b="1">
+                  <a:solidFill>
+                    <a:srgbClr val="00B0F0"/>
+                  </a:solidFill>
+                  <a:latin typeface="Consolas" panose="020B0609020204030204" charset="0"/>
+                  <a:cs typeface="Consolas" panose="020B0609020204030204" charset="0"/>
+                </a:rPr>
+                <a:t>0</a:t>
+              </a:r>
+              <a:endParaRPr lang="en-US" altLang="zh-CN" b="1">
+                <a:solidFill>
+                  <a:srgbClr val="00B0F0"/>
+                </a:solidFill>
+                <a:latin typeface="Consolas" panose="020B0609020204030204" charset="0"/>
+                <a:cs typeface="Consolas" panose="020B0609020204030204" charset="0"/>
+              </a:endParaRPr>
+            </a:p>
+          </p:txBody>
+        </p:sp>
+        <p:sp>
+          <p:nvSpPr>
+            <p:cNvPr id="6" name="文本框 5"/>
+            <p:cNvSpPr txBox="1"/>
+            <p:nvPr>
+              <p:custDataLst>
+                <p:tags r:id="rId4"/>
+              </p:custDataLst>
+            </p:nvPr>
+          </p:nvSpPr>
+          <p:spPr>
+            <a:xfrm>
+              <a:off x="4615" y="4306"/>
+              <a:ext cx="560" cy="580"/>
+            </a:xfrm>
+            <a:prstGeom prst="rect">
+              <a:avLst/>
+            </a:prstGeom>
+            <a:noFill/>
+          </p:spPr>
+          <p:txBody>
+            <a:bodyPr wrap="square" rtlCol="0">
+              <a:spAutoFit/>
+            </a:bodyPr>
+            <a:p>
+              <a:r>
+                <a:rPr lang="en-US" altLang="zh-CN" b="1">
+                  <a:solidFill>
+                    <a:srgbClr val="00B0F0"/>
+                  </a:solidFill>
+                  <a:latin typeface="Consolas" panose="020B0609020204030204" charset="0"/>
+                  <a:cs typeface="Consolas" panose="020B0609020204030204" charset="0"/>
+                </a:rPr>
+                <a:t>0</a:t>
+              </a:r>
+              <a:endParaRPr lang="en-US" altLang="zh-CN" b="1">
+                <a:solidFill>
+                  <a:srgbClr val="00B0F0"/>
+                </a:solidFill>
+                <a:latin typeface="Consolas" panose="020B0609020204030204" charset="0"/>
+                <a:cs typeface="Consolas" panose="020B0609020204030204" charset="0"/>
+              </a:endParaRPr>
+            </a:p>
+          </p:txBody>
+        </p:sp>
+        <p:sp>
+          <p:nvSpPr>
+            <p:cNvPr id="7" name="文本框 6"/>
+            <p:cNvSpPr txBox="1"/>
+            <p:nvPr>
+              <p:custDataLst>
+                <p:tags r:id="rId5"/>
+              </p:custDataLst>
+            </p:nvPr>
+          </p:nvSpPr>
+          <p:spPr>
+            <a:xfrm>
+              <a:off x="5375" y="3216"/>
+              <a:ext cx="560" cy="580"/>
+            </a:xfrm>
+            <a:prstGeom prst="rect">
+              <a:avLst/>
+            </a:prstGeom>
+            <a:noFill/>
+          </p:spPr>
+          <p:txBody>
+            <a:bodyPr wrap="square" rtlCol="0">
+              <a:spAutoFit/>
+            </a:bodyPr>
+            <a:p>
+              <a:r>
+                <a:rPr lang="en-US" altLang="zh-CN" b="1">
+                  <a:solidFill>
+                    <a:srgbClr val="00B0F0"/>
+                  </a:solidFill>
+                  <a:latin typeface="Consolas" panose="020B0609020204030204" charset="0"/>
+                  <a:cs typeface="Consolas" panose="020B0609020204030204" charset="0"/>
+                </a:rPr>
+                <a:t>0</a:t>
+              </a:r>
+              <a:endParaRPr lang="en-US" altLang="zh-CN" b="1">
+                <a:solidFill>
+                  <a:srgbClr val="00B0F0"/>
+                </a:solidFill>
+                <a:latin typeface="Consolas" panose="020B0609020204030204" charset="0"/>
+                <a:cs typeface="Consolas" panose="020B0609020204030204" charset="0"/>
+              </a:endParaRPr>
+            </a:p>
+          </p:txBody>
+        </p:sp>
+        <p:sp>
+          <p:nvSpPr>
+            <p:cNvPr id="8" name="文本框 7"/>
+            <p:cNvSpPr txBox="1"/>
+            <p:nvPr>
+              <p:custDataLst>
+                <p:tags r:id="rId6"/>
+              </p:custDataLst>
+            </p:nvPr>
+          </p:nvSpPr>
+          <p:spPr>
+            <a:xfrm>
+              <a:off x="5490" y="5570"/>
+              <a:ext cx="560" cy="580"/>
+            </a:xfrm>
+            <a:prstGeom prst="rect">
+              <a:avLst/>
+            </a:prstGeom>
+            <a:noFill/>
+          </p:spPr>
+          <p:txBody>
+            <a:bodyPr wrap="square" rtlCol="0">
+              <a:spAutoFit/>
+            </a:bodyPr>
+            <a:p>
+              <a:r>
+                <a:rPr lang="en-US" altLang="zh-CN" b="1">
+                  <a:solidFill>
+                    <a:srgbClr val="00B0F0"/>
+                  </a:solidFill>
+                  <a:latin typeface="Consolas" panose="020B0609020204030204" charset="0"/>
+                  <a:cs typeface="Consolas" panose="020B0609020204030204" charset="0"/>
+                </a:rPr>
+                <a:t>0</a:t>
+              </a:r>
+              <a:endParaRPr lang="en-US" altLang="zh-CN" b="1">
+                <a:solidFill>
+                  <a:srgbClr val="00B0F0"/>
+                </a:solidFill>
+                <a:latin typeface="Consolas" panose="020B0609020204030204" charset="0"/>
+                <a:cs typeface="Consolas" panose="020B0609020204030204" charset="0"/>
+              </a:endParaRPr>
+            </a:p>
+          </p:txBody>
+        </p:sp>
+        <p:sp>
+          <p:nvSpPr>
+            <p:cNvPr id="10" name="文本框 9"/>
+            <p:cNvSpPr txBox="1"/>
+            <p:nvPr>
+              <p:custDataLst>
+                <p:tags r:id="rId7"/>
+              </p:custDataLst>
+            </p:nvPr>
+          </p:nvSpPr>
+          <p:spPr>
+            <a:xfrm>
+              <a:off x="5620" y="2010"/>
+              <a:ext cx="560" cy="580"/>
+            </a:xfrm>
+            <a:prstGeom prst="rect">
+              <a:avLst/>
+            </a:prstGeom>
+            <a:noFill/>
+          </p:spPr>
+          <p:txBody>
+            <a:bodyPr wrap="square" rtlCol="0">
+              <a:spAutoFit/>
+            </a:bodyPr>
+            <a:p>
+              <a:r>
+                <a:rPr lang="en-US" altLang="zh-CN" b="1">
+                  <a:solidFill>
+                    <a:srgbClr val="00B0F0"/>
+                  </a:solidFill>
+                  <a:latin typeface="Consolas" panose="020B0609020204030204" charset="0"/>
+                  <a:cs typeface="Consolas" panose="020B0609020204030204" charset="0"/>
+                </a:rPr>
+                <a:t>1</a:t>
+              </a:r>
+              <a:endParaRPr lang="en-US" altLang="zh-CN" b="1">
+                <a:solidFill>
+                  <a:srgbClr val="00B0F0"/>
+                </a:solidFill>
+                <a:latin typeface="Consolas" panose="020B0609020204030204" charset="0"/>
+                <a:cs typeface="Consolas" panose="020B0609020204030204" charset="0"/>
+              </a:endParaRPr>
+            </a:p>
+          </p:txBody>
+        </p:sp>
+        <p:sp>
+          <p:nvSpPr>
+            <p:cNvPr id="9" name="文本框 8"/>
+            <p:cNvSpPr txBox="1"/>
+            <p:nvPr>
+              <p:custDataLst>
+                <p:tags r:id="rId8"/>
+              </p:custDataLst>
+            </p:nvPr>
+          </p:nvSpPr>
+          <p:spPr>
+            <a:xfrm>
+              <a:off x="6782" y="3044"/>
+              <a:ext cx="560" cy="580"/>
+            </a:xfrm>
+            <a:prstGeom prst="rect">
+              <a:avLst/>
+            </a:prstGeom>
+            <a:noFill/>
+          </p:spPr>
+          <p:txBody>
+            <a:bodyPr wrap="square" rtlCol="0">
+              <a:spAutoFit/>
+            </a:bodyPr>
+            <a:p>
+              <a:r>
+                <a:rPr lang="en-US" altLang="zh-CN" b="1">
+                  <a:solidFill>
+                    <a:srgbClr val="00B0F0"/>
+                  </a:solidFill>
+                  <a:latin typeface="Consolas" panose="020B0609020204030204" charset="0"/>
+                  <a:cs typeface="Consolas" panose="020B0609020204030204" charset="0"/>
+                </a:rPr>
+                <a:t>1</a:t>
+              </a:r>
+              <a:endParaRPr lang="en-US" altLang="zh-CN" b="1">
+                <a:solidFill>
+                  <a:srgbClr val="00B0F0"/>
+                </a:solidFill>
+                <a:latin typeface="Consolas" panose="020B0609020204030204" charset="0"/>
+                <a:cs typeface="Consolas" panose="020B0609020204030204" charset="0"/>
+              </a:endParaRPr>
+            </a:p>
+          </p:txBody>
+        </p:sp>
+        <p:sp>
+          <p:nvSpPr>
+            <p:cNvPr id="11" name="文本框 10"/>
+            <p:cNvSpPr txBox="1"/>
+            <p:nvPr>
+              <p:custDataLst>
+                <p:tags r:id="rId9"/>
+              </p:custDataLst>
+            </p:nvPr>
+          </p:nvSpPr>
+          <p:spPr>
+            <a:xfrm>
+              <a:off x="5935" y="4422"/>
+              <a:ext cx="560" cy="580"/>
+            </a:xfrm>
+            <a:prstGeom prst="rect">
+              <a:avLst/>
+            </a:prstGeom>
+            <a:noFill/>
+          </p:spPr>
+          <p:txBody>
+            <a:bodyPr wrap="square" rtlCol="0">
+              <a:spAutoFit/>
+            </a:bodyPr>
+            <a:p>
+              <a:r>
+                <a:rPr lang="en-US" altLang="zh-CN" b="1">
+                  <a:solidFill>
+                    <a:srgbClr val="00B0F0"/>
+                  </a:solidFill>
+                  <a:latin typeface="Consolas" panose="020B0609020204030204" charset="0"/>
+                  <a:cs typeface="Consolas" panose="020B0609020204030204" charset="0"/>
+                </a:rPr>
+                <a:t>1</a:t>
+              </a:r>
+              <a:endParaRPr lang="en-US" altLang="zh-CN" b="1">
+                <a:solidFill>
+                  <a:srgbClr val="00B0F0"/>
+                </a:solidFill>
+                <a:latin typeface="Consolas" panose="020B0609020204030204" charset="0"/>
+                <a:cs typeface="Consolas" panose="020B0609020204030204" charset="0"/>
+              </a:endParaRPr>
+            </a:p>
+          </p:txBody>
+        </p:sp>
+        <p:sp>
+          <p:nvSpPr>
+            <p:cNvPr id="12" name="文本框 11"/>
+            <p:cNvSpPr txBox="1"/>
+            <p:nvPr>
+              <p:custDataLst>
+                <p:tags r:id="rId10"/>
+              </p:custDataLst>
+            </p:nvPr>
+          </p:nvSpPr>
+          <p:spPr>
+            <a:xfrm>
+              <a:off x="6495" y="5628"/>
+              <a:ext cx="560" cy="580"/>
+            </a:xfrm>
+            <a:prstGeom prst="rect">
+              <a:avLst/>
+            </a:prstGeom>
+            <a:noFill/>
+          </p:spPr>
+          <p:txBody>
+            <a:bodyPr wrap="square" rtlCol="0">
+              <a:spAutoFit/>
+            </a:bodyPr>
+            <a:p>
+              <a:r>
+                <a:rPr lang="en-US" altLang="zh-CN" b="1">
+                  <a:solidFill>
+                    <a:srgbClr val="00B0F0"/>
+                  </a:solidFill>
+                  <a:latin typeface="Consolas" panose="020B0609020204030204" charset="0"/>
+                  <a:cs typeface="Consolas" panose="020B0609020204030204" charset="0"/>
+                </a:rPr>
+                <a:t>1</a:t>
+              </a:r>
+              <a:endParaRPr lang="en-US" altLang="zh-CN" b="1">
+                <a:solidFill>
+                  <a:srgbClr val="00B0F0"/>
+                </a:solidFill>
+                <a:latin typeface="Consolas" panose="020B0609020204030204" charset="0"/>
+                <a:cs typeface="Consolas" panose="020B0609020204030204" charset="0"/>
+              </a:endParaRPr>
+            </a:p>
+          </p:txBody>
+        </p:sp>
+        <p:sp>
+          <p:nvSpPr>
+            <p:cNvPr id="13" name="文本框 12"/>
+            <p:cNvSpPr txBox="1"/>
+            <p:nvPr>
+              <p:custDataLst>
+                <p:tags r:id="rId11"/>
+              </p:custDataLst>
+            </p:nvPr>
+          </p:nvSpPr>
+          <p:spPr>
+            <a:xfrm>
+              <a:off x="3234" y="3216"/>
+              <a:ext cx="560" cy="580"/>
+            </a:xfrm>
+            <a:prstGeom prst="rect">
+              <a:avLst/>
+            </a:prstGeom>
+            <a:noFill/>
+          </p:spPr>
+          <p:txBody>
+            <a:bodyPr wrap="square" rtlCol="0">
+              <a:spAutoFit/>
+            </a:bodyPr>
+            <a:p>
+              <a:r>
+                <a:rPr lang="en-US" altLang="zh-CN" b="1">
+                  <a:solidFill>
+                    <a:srgbClr val="00B0F0"/>
+                  </a:solidFill>
+                  <a:latin typeface="Consolas" panose="020B0609020204030204" charset="0"/>
+                  <a:cs typeface="Consolas" panose="020B0609020204030204" charset="0"/>
+                </a:rPr>
+                <a:t>1</a:t>
+              </a:r>
+              <a:endParaRPr lang="en-US" altLang="zh-CN" b="1">
+                <a:solidFill>
+                  <a:srgbClr val="00B0F0"/>
+                </a:solidFill>
+                <a:latin typeface="Consolas" panose="020B0609020204030204" charset="0"/>
+                <a:cs typeface="Consolas" panose="020B0609020204030204" charset="0"/>
+              </a:endParaRPr>
+            </a:p>
+          </p:txBody>
+        </p:sp>
+        <p:sp>
+          <p:nvSpPr>
+            <p:cNvPr id="14" name="文本框 13"/>
+            <p:cNvSpPr txBox="1"/>
+            <p:nvPr/>
+          </p:nvSpPr>
+          <p:spPr>
+            <a:xfrm>
+              <a:off x="2201" y="4581"/>
+              <a:ext cx="618" cy="628"/>
+            </a:xfrm>
+            <a:prstGeom prst="rect">
+              <a:avLst/>
+            </a:prstGeom>
+            <a:noFill/>
+          </p:spPr>
+          <p:txBody>
+            <a:bodyPr wrap="square" rtlCol="0">
+              <a:spAutoFit/>
+            </a:bodyPr>
+            <a:p>
+              <a:r>
+                <a:rPr lang="en-US" altLang="zh-CN" sz="2000" b="1">
+                  <a:solidFill>
+                    <a:srgbClr val="7030A0"/>
+                  </a:solidFill>
+                  <a:latin typeface="Consolas" panose="020B0609020204030204" charset="0"/>
+                  <a:cs typeface="Consolas" panose="020B0609020204030204" charset="0"/>
+                </a:rPr>
+                <a:t>a</a:t>
+              </a:r>
+              <a:endParaRPr lang="en-US" altLang="zh-CN" sz="2000" b="1">
+                <a:solidFill>
+                  <a:srgbClr val="7030A0"/>
+                </a:solidFill>
+                <a:latin typeface="Consolas" panose="020B0609020204030204" charset="0"/>
+                <a:cs typeface="Consolas" panose="020B0609020204030204" charset="0"/>
+              </a:endParaRPr>
+            </a:p>
+          </p:txBody>
+        </p:sp>
+        <p:sp>
+          <p:nvSpPr>
+            <p:cNvPr id="15" name="文本框 14"/>
+            <p:cNvSpPr txBox="1"/>
+            <p:nvPr>
+              <p:custDataLst>
+                <p:tags r:id="rId12"/>
+              </p:custDataLst>
+            </p:nvPr>
+          </p:nvSpPr>
+          <p:spPr>
+            <a:xfrm>
+              <a:off x="4757" y="6208"/>
+              <a:ext cx="618" cy="628"/>
+            </a:xfrm>
+            <a:prstGeom prst="rect">
+              <a:avLst/>
+            </a:prstGeom>
+            <a:noFill/>
+          </p:spPr>
+          <p:txBody>
+            <a:bodyPr wrap="square" rtlCol="0">
+              <a:spAutoFit/>
+            </a:bodyPr>
+            <a:p>
+              <a:r>
+                <a:rPr lang="en-US" altLang="zh-CN" sz="2000" b="1">
+                  <a:solidFill>
+                    <a:srgbClr val="7030A0"/>
+                  </a:solidFill>
+                  <a:latin typeface="Consolas" panose="020B0609020204030204" charset="0"/>
+                  <a:cs typeface="Consolas" panose="020B0609020204030204" charset="0"/>
+                </a:rPr>
+                <a:t>d</a:t>
+              </a:r>
+              <a:endParaRPr lang="en-US" altLang="zh-CN" sz="2000" b="1">
+                <a:solidFill>
+                  <a:srgbClr val="7030A0"/>
+                </a:solidFill>
+                <a:latin typeface="Consolas" panose="020B0609020204030204" charset="0"/>
+                <a:cs typeface="Consolas" panose="020B0609020204030204" charset="0"/>
+              </a:endParaRPr>
+            </a:p>
+          </p:txBody>
+        </p:sp>
+        <p:sp>
+          <p:nvSpPr>
+            <p:cNvPr id="16" name="文本框 15"/>
+            <p:cNvSpPr txBox="1"/>
+            <p:nvPr>
+              <p:custDataLst>
+                <p:tags r:id="rId13"/>
+              </p:custDataLst>
+            </p:nvPr>
+          </p:nvSpPr>
+          <p:spPr>
+            <a:xfrm>
+              <a:off x="7055" y="6150"/>
+              <a:ext cx="618" cy="628"/>
+            </a:xfrm>
+            <a:prstGeom prst="rect">
+              <a:avLst/>
+            </a:prstGeom>
+            <a:noFill/>
+          </p:spPr>
+          <p:txBody>
+            <a:bodyPr wrap="square" rtlCol="0">
+              <a:spAutoFit/>
+            </a:bodyPr>
+            <a:p>
+              <a:r>
+                <a:rPr lang="en-US" altLang="zh-CN" sz="2000" b="1">
+                  <a:solidFill>
+                    <a:srgbClr val="7030A0"/>
+                  </a:solidFill>
+                  <a:latin typeface="Consolas" panose="020B0609020204030204" charset="0"/>
+                  <a:cs typeface="Consolas" panose="020B0609020204030204" charset="0"/>
+                </a:rPr>
+                <a:t>b</a:t>
+              </a:r>
+              <a:endParaRPr lang="en-US" altLang="zh-CN" sz="2000" b="1">
+                <a:solidFill>
+                  <a:srgbClr val="7030A0"/>
+                </a:solidFill>
+                <a:latin typeface="Consolas" panose="020B0609020204030204" charset="0"/>
+                <a:cs typeface="Consolas" panose="020B0609020204030204" charset="0"/>
+              </a:endParaRPr>
+            </a:p>
+          </p:txBody>
+        </p:sp>
+        <p:sp>
+          <p:nvSpPr>
+            <p:cNvPr id="17" name="文本框 16"/>
+            <p:cNvSpPr txBox="1"/>
+            <p:nvPr>
+              <p:custDataLst>
+                <p:tags r:id="rId14"/>
+              </p:custDataLst>
+            </p:nvPr>
+          </p:nvSpPr>
+          <p:spPr>
+            <a:xfrm>
+              <a:off x="4254" y="5580"/>
+              <a:ext cx="618" cy="628"/>
+            </a:xfrm>
+            <a:prstGeom prst="rect">
+              <a:avLst/>
+            </a:prstGeom>
+            <a:noFill/>
+          </p:spPr>
+          <p:txBody>
+            <a:bodyPr wrap="square" rtlCol="0">
+              <a:spAutoFit/>
+            </a:bodyPr>
+            <a:p>
+              <a:r>
+                <a:rPr lang="en-US" altLang="zh-CN" sz="2000" b="1">
+                  <a:solidFill>
+                    <a:srgbClr val="7030A0"/>
+                  </a:solidFill>
+                  <a:latin typeface="Consolas" panose="020B0609020204030204" charset="0"/>
+                  <a:cs typeface="Consolas" panose="020B0609020204030204" charset="0"/>
+                </a:rPr>
+                <a:t>f</a:t>
+              </a:r>
+              <a:endParaRPr lang="en-US" altLang="zh-CN" sz="2000" b="1">
+                <a:solidFill>
+                  <a:srgbClr val="7030A0"/>
+                </a:solidFill>
+                <a:latin typeface="Consolas" panose="020B0609020204030204" charset="0"/>
+                <a:cs typeface="Consolas" panose="020B0609020204030204" charset="0"/>
+              </a:endParaRPr>
+            </a:p>
+          </p:txBody>
+        </p:sp>
+        <p:sp>
+          <p:nvSpPr>
+            <p:cNvPr id="18" name="文本框 17"/>
+            <p:cNvSpPr txBox="1"/>
+            <p:nvPr>
+              <p:custDataLst>
+                <p:tags r:id="rId15"/>
+              </p:custDataLst>
+            </p:nvPr>
+          </p:nvSpPr>
+          <p:spPr>
+            <a:xfrm>
+              <a:off x="3237" y="4581"/>
+              <a:ext cx="618" cy="628"/>
+            </a:xfrm>
+            <a:prstGeom prst="rect">
+              <a:avLst/>
+            </a:prstGeom>
+            <a:noFill/>
+          </p:spPr>
+          <p:txBody>
+            <a:bodyPr wrap="square" rtlCol="0">
+              <a:spAutoFit/>
+            </a:bodyPr>
+            <a:p>
+              <a:r>
+                <a:rPr lang="en-US" altLang="zh-CN" sz="2000" b="1">
+                  <a:solidFill>
+                    <a:srgbClr val="7030A0"/>
+                  </a:solidFill>
+                  <a:latin typeface="Consolas" panose="020B0609020204030204" charset="0"/>
+                  <a:cs typeface="Consolas" panose="020B0609020204030204" charset="0"/>
+                </a:rPr>
+                <a:t>c</a:t>
+              </a:r>
+              <a:endParaRPr lang="en-US" altLang="zh-CN" sz="2000" b="1">
+                <a:solidFill>
+                  <a:srgbClr val="7030A0"/>
+                </a:solidFill>
+                <a:latin typeface="Consolas" panose="020B0609020204030204" charset="0"/>
+                <a:cs typeface="Consolas" panose="020B0609020204030204" charset="0"/>
+              </a:endParaRPr>
+            </a:p>
+          </p:txBody>
+        </p:sp>
+        <p:sp>
+          <p:nvSpPr>
+            <p:cNvPr id="19" name="文本框 18"/>
+            <p:cNvSpPr txBox="1"/>
+            <p:nvPr>
+              <p:custDataLst>
+                <p:tags r:id="rId16"/>
+              </p:custDataLst>
+            </p:nvPr>
+          </p:nvSpPr>
+          <p:spPr>
+            <a:xfrm>
+              <a:off x="7465" y="4581"/>
+              <a:ext cx="618" cy="628"/>
+            </a:xfrm>
+            <a:prstGeom prst="rect">
+              <a:avLst/>
+            </a:prstGeom>
+            <a:noFill/>
+          </p:spPr>
+          <p:txBody>
+            <a:bodyPr wrap="square" rtlCol="0">
+              <a:spAutoFit/>
+            </a:bodyPr>
+            <a:p>
+              <a:r>
+                <a:rPr lang="en-US" altLang="zh-CN" sz="2000" b="1">
+                  <a:solidFill>
+                    <a:srgbClr val="7030A0"/>
+                  </a:solidFill>
+                  <a:latin typeface="Consolas" panose="020B0609020204030204" charset="0"/>
+                  <a:cs typeface="Consolas" panose="020B0609020204030204" charset="0"/>
+                </a:rPr>
+                <a:t>e</a:t>
+              </a:r>
+              <a:endParaRPr lang="en-US" altLang="zh-CN" sz="2000" b="1">
+                <a:solidFill>
+                  <a:srgbClr val="7030A0"/>
+                </a:solidFill>
+                <a:latin typeface="Consolas" panose="020B0609020204030204" charset="0"/>
+                <a:cs typeface="Consolas" panose="020B0609020204030204" charset="0"/>
+              </a:endParaRPr>
+            </a:p>
+          </p:txBody>
+        </p:sp>
+      </p:grpSp>
+    </p:spTree>
+    <p:custDataLst>
+      <p:tags r:id="rId17"/>
+    </p:custDataLst>
+  </p:cSld>
+  <p:clrMapOvr>
+    <a:masterClrMapping/>
+  </p:clrMapOvr>
+</p:sld>
+</file>
+
+<file path=ppt/slides/slide6.xml><?xml version="1.0" encoding="utf-8"?>
+<p:sld xmlns:a="http://schemas.openxmlformats.org/drawingml/2006/main" xmlns:r="http://schemas.openxmlformats.org/officeDocument/2006/relationships" xmlns:p="http://schemas.openxmlformats.org/presentationml/2006/main">
+  <p:cSld>
+    <p:spTree>
+      <p:nvGrpSpPr>
+        <p:cNvPr id="1" name=""/>
+        <p:cNvGrpSpPr/>
+        <p:nvPr/>
+      </p:nvGrpSpPr>
+      <p:grpSpPr/>
+      <p:pic>
+        <p:nvPicPr>
+          <p:cNvPr id="2" name="图片 1" descr="graph"/>
+          <p:cNvPicPr>
+            <a:picLocks noChangeAspect="1"/>
+          </p:cNvPicPr>
+          <p:nvPr/>
+        </p:nvPicPr>
+        <p:blipFill>
+          <a:blip r:embed="rId1"/>
+          <a:srcRect l="5333" t="5029" r="24522" b="39594"/>
+          <a:stretch>
+            <a:fillRect/>
+          </a:stretch>
+        </p:blipFill>
+        <p:spPr>
+          <a:xfrm>
+            <a:off x="701040" y="528320"/>
+            <a:ext cx="3073400" cy="2426335"/>
+          </a:xfrm>
+          <a:prstGeom prst="rect">
+            <a:avLst/>
+          </a:prstGeom>
+          <a:ln>
+            <a:solidFill>
+              <a:schemeClr val="accent1"/>
+            </a:solidFill>
+          </a:ln>
+        </p:spPr>
+      </p:pic>
+    </p:spTree>
+    <p:custDataLst>
+      <p:tags r:id="rId2"/>
+    </p:custDataLst>
+  </p:cSld>
+  <p:clrMapOvr>
+    <a:masterClrMapping/>
+  </p:clrMapOvr>
+</p:sld>
+</file>
+
 <file path=ppt/tags/tag1.xml><?xml version="1.0" encoding="utf-8"?>
 <p:tagLst xmlns:p="http://schemas.openxmlformats.org/presentationml/2006/main">
   <p:tag name="KSO_WM_UNIT_HIGHLIGHT" val="0"/>
@@ -3514,7 +4469,7 @@
   <p:tag name="KSO_WM_UNIT_COMPATIBLE" val="0"/>
   <p:tag name="KSO_WM_UNIT_DIAGRAM_ISNUMVISUAL" val="0"/>
   <p:tag name="KSO_WM_UNIT_DIAGRAM_ISREFERUNIT" val="0"/>
-  <p:tag name="KSO_WM_UNIT_ID" val="_2**"/>
+  <p:tag name="KSO_WM_UNIT_ID" val="_3**"/>
   <p:tag name="KSO_WM_UNIT_LAYERLEVEL" val="1"/>
   <p:tag name="KSO_WM_TAG_VERSION" val="1.0"/>
   <p:tag name="KSO_WM_BEAUTIFY_FLAG" val="#wm#"/>
@@ -3522,6 +4477,668 @@
 </file>
 
 <file path=ppt/tags/tag11.xml><?xml version="1.0" encoding="utf-8"?>
+<p:tagLst xmlns:p="http://schemas.openxmlformats.org/presentationml/2006/main">
+  <p:tag name="KSO_WM_UNIT_HIGHLIGHT" val="0"/>
+  <p:tag name="KSO_WM_UNIT_COMPATIBLE" val="0"/>
+  <p:tag name="KSO_WM_UNIT_DIAGRAM_ISNUMVISUAL" val="0"/>
+  <p:tag name="KSO_WM_UNIT_DIAGRAM_ISREFERUNIT" val="0"/>
+  <p:tag name="KSO_WM_UNIT_ID" val="_4**"/>
+  <p:tag name="KSO_WM_UNIT_LAYERLEVEL" val="1"/>
+  <p:tag name="KSO_WM_TAG_VERSION" val="1.0"/>
+  <p:tag name="KSO_WM_BEAUTIFY_FLAG" val="#wm#"/>
+</p:tagLst>
+</file>
+
+<file path=ppt/tags/tag12.xml><?xml version="1.0" encoding="utf-8"?>
+<p:tagLst xmlns:p="http://schemas.openxmlformats.org/presentationml/2006/main">
+  <p:tag name="KSO_WM_UNIT_HIGHLIGHT" val="0"/>
+  <p:tag name="KSO_WM_UNIT_COMPATIBLE" val="0"/>
+  <p:tag name="KSO_WM_UNIT_DIAGRAM_ISNUMVISUAL" val="0"/>
+  <p:tag name="KSO_WM_UNIT_DIAGRAM_ISREFERUNIT" val="0"/>
+  <p:tag name="KSO_WM_UNIT_ID" val="_4**"/>
+  <p:tag name="KSO_WM_UNIT_LAYERLEVEL" val="1"/>
+  <p:tag name="KSO_WM_TAG_VERSION" val="1.0"/>
+  <p:tag name="KSO_WM_BEAUTIFY_FLAG" val="#wm#"/>
+</p:tagLst>
+</file>
+
+<file path=ppt/tags/tag13.xml><?xml version="1.0" encoding="utf-8"?>
+<p:tagLst xmlns:p="http://schemas.openxmlformats.org/presentationml/2006/main">
+  <p:tag name="KSO_WM_UNIT_HIGHLIGHT" val="0"/>
+  <p:tag name="KSO_WM_UNIT_COMPATIBLE" val="0"/>
+  <p:tag name="KSO_WM_UNIT_DIAGRAM_ISNUMVISUAL" val="0"/>
+  <p:tag name="KSO_WM_UNIT_DIAGRAM_ISREFERUNIT" val="0"/>
+  <p:tag name="KSO_WM_UNIT_ID" val="_4**"/>
+  <p:tag name="KSO_WM_UNIT_LAYERLEVEL" val="1"/>
+  <p:tag name="KSO_WM_TAG_VERSION" val="1.0"/>
+  <p:tag name="KSO_WM_BEAUTIFY_FLAG" val="#wm#"/>
+</p:tagLst>
+</file>
+
+<file path=ppt/tags/tag14.xml><?xml version="1.0" encoding="utf-8"?>
+<p:tagLst xmlns:p="http://schemas.openxmlformats.org/presentationml/2006/main">
+  <p:tag name="KSO_WM_UNIT_HIGHLIGHT" val="0"/>
+  <p:tag name="KSO_WM_UNIT_COMPATIBLE" val="0"/>
+  <p:tag name="KSO_WM_UNIT_DIAGRAM_ISNUMVISUAL" val="0"/>
+  <p:tag name="KSO_WM_UNIT_DIAGRAM_ISREFERUNIT" val="0"/>
+  <p:tag name="KSO_WM_UNIT_ID" val="_4**"/>
+  <p:tag name="KSO_WM_UNIT_LAYERLEVEL" val="1"/>
+  <p:tag name="KSO_WM_TAG_VERSION" val="1.0"/>
+  <p:tag name="KSO_WM_BEAUTIFY_FLAG" val="#wm#"/>
+</p:tagLst>
+</file>
+
+<file path=ppt/tags/tag15.xml><?xml version="1.0" encoding="utf-8"?>
+<p:tagLst xmlns:p="http://schemas.openxmlformats.org/presentationml/2006/main">
+  <p:tag name="KSO_WM_UNIT_HIGHLIGHT" val="0"/>
+  <p:tag name="KSO_WM_UNIT_COMPATIBLE" val="0"/>
+  <p:tag name="KSO_WM_UNIT_DIAGRAM_ISNUMVISUAL" val="0"/>
+  <p:tag name="KSO_WM_UNIT_DIAGRAM_ISREFERUNIT" val="0"/>
+  <p:tag name="KSO_WM_UNIT_ID" val="_4**"/>
+  <p:tag name="KSO_WM_UNIT_LAYERLEVEL" val="1"/>
+  <p:tag name="KSO_WM_TAG_VERSION" val="1.0"/>
+  <p:tag name="KSO_WM_BEAUTIFY_FLAG" val="#wm#"/>
+</p:tagLst>
+</file>
+
+<file path=ppt/tags/tag16.xml><?xml version="1.0" encoding="utf-8"?>
+<p:tagLst xmlns:p="http://schemas.openxmlformats.org/presentationml/2006/main">
+  <p:tag name="KSO_WM_UNIT_HIGHLIGHT" val="0"/>
+  <p:tag name="KSO_WM_UNIT_COMPATIBLE" val="0"/>
+  <p:tag name="KSO_WM_UNIT_DIAGRAM_ISNUMVISUAL" val="0"/>
+  <p:tag name="KSO_WM_UNIT_DIAGRAM_ISREFERUNIT" val="0"/>
+  <p:tag name="KSO_WM_UNIT_ID" val="_4**"/>
+  <p:tag name="KSO_WM_UNIT_LAYERLEVEL" val="1"/>
+  <p:tag name="KSO_WM_TAG_VERSION" val="1.0"/>
+  <p:tag name="KSO_WM_BEAUTIFY_FLAG" val="#wm#"/>
+</p:tagLst>
+</file>
+
+<file path=ppt/tags/tag17.xml><?xml version="1.0" encoding="utf-8"?>
+<p:tagLst xmlns:p="http://schemas.openxmlformats.org/presentationml/2006/main">
+  <p:tag name="KSO_WM_UNIT_HIGHLIGHT" val="0"/>
+  <p:tag name="KSO_WM_UNIT_COMPATIBLE" val="0"/>
+  <p:tag name="KSO_WM_UNIT_DIAGRAM_ISNUMVISUAL" val="0"/>
+  <p:tag name="KSO_WM_UNIT_DIAGRAM_ISREFERUNIT" val="0"/>
+  <p:tag name="KSO_WM_UNIT_ID" val="_5**"/>
+  <p:tag name="KSO_WM_UNIT_LAYERLEVEL" val="1"/>
+  <p:tag name="KSO_WM_TAG_VERSION" val="1.0"/>
+  <p:tag name="KSO_WM_BEAUTIFY_FLAG" val="#wm#"/>
+</p:tagLst>
+</file>
+
+<file path=ppt/tags/tag18.xml><?xml version="1.0" encoding="utf-8"?>
+<p:tagLst xmlns:p="http://schemas.openxmlformats.org/presentationml/2006/main">
+  <p:tag name="KSO_WM_UNIT_HIGHLIGHT" val="0"/>
+  <p:tag name="KSO_WM_UNIT_COMPATIBLE" val="0"/>
+  <p:tag name="KSO_WM_UNIT_DIAGRAM_ISNUMVISUAL" val="0"/>
+  <p:tag name="KSO_WM_UNIT_DIAGRAM_ISREFERUNIT" val="0"/>
+  <p:tag name="KSO_WM_UNIT_ID" val="_5**"/>
+  <p:tag name="KSO_WM_UNIT_LAYERLEVEL" val="1"/>
+  <p:tag name="KSO_WM_TAG_VERSION" val="1.0"/>
+  <p:tag name="KSO_WM_BEAUTIFY_FLAG" val="#wm#"/>
+</p:tagLst>
+</file>
+
+<file path=ppt/tags/tag19.xml><?xml version="1.0" encoding="utf-8"?>
+<p:tagLst xmlns:p="http://schemas.openxmlformats.org/presentationml/2006/main">
+  <p:tag name="KSO_WM_UNIT_HIGHLIGHT" val="0"/>
+  <p:tag name="KSO_WM_UNIT_COMPATIBLE" val="0"/>
+  <p:tag name="KSO_WM_UNIT_DIAGRAM_ISNUMVISUAL" val="0"/>
+  <p:tag name="KSO_WM_UNIT_DIAGRAM_ISREFERUNIT" val="0"/>
+  <p:tag name="KSO_WM_UNIT_ID" val="_5**"/>
+  <p:tag name="KSO_WM_UNIT_LAYERLEVEL" val="1"/>
+  <p:tag name="KSO_WM_TAG_VERSION" val="1.0"/>
+  <p:tag name="KSO_WM_BEAUTIFY_FLAG" val="#wm#"/>
+</p:tagLst>
+</file>
+
+<file path=ppt/tags/tag2.xml><?xml version="1.0" encoding="utf-8"?>
+<p:tagLst xmlns:p="http://schemas.openxmlformats.org/presentationml/2006/main">
+  <p:tag name="KSO_WM_UNIT_HIGHLIGHT" val="0"/>
+  <p:tag name="KSO_WM_UNIT_COMPATIBLE" val="0"/>
+  <p:tag name="KSO_WM_UNIT_DIAGRAM_ISNUMVISUAL" val="0"/>
+  <p:tag name="KSO_WM_UNIT_DIAGRAM_ISREFERUNIT" val="0"/>
+  <p:tag name="KSO_WM_UNIT_ID" val="_1**"/>
+  <p:tag name="KSO_WM_UNIT_LAYERLEVEL" val="1"/>
+  <p:tag name="KSO_WM_TAG_VERSION" val="1.0"/>
+  <p:tag name="KSO_WM_BEAUTIFY_FLAG" val="#wm#"/>
+</p:tagLst>
+</file>
+
+<file path=ppt/tags/tag20.xml><?xml version="1.0" encoding="utf-8"?>
+<p:tagLst xmlns:p="http://schemas.openxmlformats.org/presentationml/2006/main">
+  <p:tag name="KSO_WM_UNIT_HIGHLIGHT" val="0"/>
+  <p:tag name="KSO_WM_UNIT_COMPATIBLE" val="0"/>
+  <p:tag name="KSO_WM_UNIT_DIAGRAM_ISNUMVISUAL" val="0"/>
+  <p:tag name="KSO_WM_UNIT_DIAGRAM_ISREFERUNIT" val="0"/>
+  <p:tag name="KSO_WM_UNIT_ID" val="_5**"/>
+  <p:tag name="KSO_WM_UNIT_LAYERLEVEL" val="1"/>
+  <p:tag name="KSO_WM_TAG_VERSION" val="1.0"/>
+  <p:tag name="KSO_WM_BEAUTIFY_FLAG" val="#wm#"/>
+</p:tagLst>
+</file>
+
+<file path=ppt/tags/tag21.xml><?xml version="1.0" encoding="utf-8"?>
+<p:tagLst xmlns:p="http://schemas.openxmlformats.org/presentationml/2006/main">
+  <p:tag name="KSO_WM_UNIT_HIGHLIGHT" val="0"/>
+  <p:tag name="KSO_WM_UNIT_COMPATIBLE" val="0"/>
+  <p:tag name="KSO_WM_UNIT_DIAGRAM_ISNUMVISUAL" val="0"/>
+  <p:tag name="KSO_WM_UNIT_DIAGRAM_ISREFERUNIT" val="0"/>
+  <p:tag name="KSO_WM_UNIT_ID" val="_5**"/>
+  <p:tag name="KSO_WM_UNIT_LAYERLEVEL" val="1"/>
+  <p:tag name="KSO_WM_TAG_VERSION" val="1.0"/>
+  <p:tag name="KSO_WM_BEAUTIFY_FLAG" val="#wm#"/>
+</p:tagLst>
+</file>
+
+<file path=ppt/tags/tag22.xml><?xml version="1.0" encoding="utf-8"?>
+<p:tagLst xmlns:p="http://schemas.openxmlformats.org/presentationml/2006/main">
+  <p:tag name="KSO_WM_UNIT_HIGHLIGHT" val="0"/>
+  <p:tag name="KSO_WM_UNIT_COMPATIBLE" val="0"/>
+  <p:tag name="KSO_WM_UNIT_DIAGRAM_ISNUMVISUAL" val="0"/>
+  <p:tag name="KSO_WM_UNIT_DIAGRAM_ISREFERUNIT" val="0"/>
+  <p:tag name="KSO_WM_UNIT_ID" val="_5**"/>
+  <p:tag name="KSO_WM_UNIT_LAYERLEVEL" val="1"/>
+  <p:tag name="KSO_WM_TAG_VERSION" val="1.0"/>
+  <p:tag name="KSO_WM_BEAUTIFY_FLAG" val="#wm#"/>
+</p:tagLst>
+</file>
+
+<file path=ppt/tags/tag23.xml><?xml version="1.0" encoding="utf-8"?>
+<p:tagLst xmlns:p="http://schemas.openxmlformats.org/presentationml/2006/main">
+  <p:tag name="KSO_WM_UNIT_HIGHLIGHT" val="0"/>
+  <p:tag name="KSO_WM_UNIT_COMPATIBLE" val="0"/>
+  <p:tag name="KSO_WM_UNIT_DIAGRAM_ISNUMVISUAL" val="0"/>
+  <p:tag name="KSO_WM_UNIT_DIAGRAM_ISREFERUNIT" val="0"/>
+  <p:tag name="KSO_WM_UNIT_ID" val="_5**"/>
+  <p:tag name="KSO_WM_UNIT_LAYERLEVEL" val="1"/>
+  <p:tag name="KSO_WM_TAG_VERSION" val="1.0"/>
+  <p:tag name="KSO_WM_BEAUTIFY_FLAG" val="#wm#"/>
+</p:tagLst>
+</file>
+
+<file path=ppt/tags/tag24.xml><?xml version="1.0" encoding="utf-8"?>
+<p:tagLst xmlns:p="http://schemas.openxmlformats.org/presentationml/2006/main">
+  <p:tag name="KSO_WM_UNIT_HIGHLIGHT" val="0"/>
+  <p:tag name="KSO_WM_UNIT_COMPATIBLE" val="0"/>
+  <p:tag name="KSO_WM_UNIT_DIAGRAM_ISNUMVISUAL" val="0"/>
+  <p:tag name="KSO_WM_UNIT_DIAGRAM_ISREFERUNIT" val="0"/>
+  <p:tag name="KSO_WM_UNIT_ID" val="_5**"/>
+  <p:tag name="KSO_WM_UNIT_LAYERLEVEL" val="1"/>
+  <p:tag name="KSO_WM_TAG_VERSION" val="1.0"/>
+  <p:tag name="KSO_WM_BEAUTIFY_FLAG" val="#wm#"/>
+</p:tagLst>
+</file>
+
+<file path=ppt/tags/tag25.xml><?xml version="1.0" encoding="utf-8"?>
+<p:tagLst xmlns:p="http://schemas.openxmlformats.org/presentationml/2006/main">
+  <p:tag name="KSO_WM_UNIT_HIGHLIGHT" val="0"/>
+  <p:tag name="KSO_WM_UNIT_COMPATIBLE" val="0"/>
+  <p:tag name="KSO_WM_UNIT_DIAGRAM_ISNUMVISUAL" val="0"/>
+  <p:tag name="KSO_WM_UNIT_DIAGRAM_ISREFERUNIT" val="0"/>
+  <p:tag name="KSO_WM_UNIT_ID" val="_6**"/>
+  <p:tag name="KSO_WM_UNIT_LAYERLEVEL" val="1"/>
+  <p:tag name="KSO_WM_TAG_VERSION" val="1.0"/>
+  <p:tag name="KSO_WM_BEAUTIFY_FLAG" val="#wm#"/>
+</p:tagLst>
+</file>
+
+<file path=ppt/tags/tag26.xml><?xml version="1.0" encoding="utf-8"?>
+<p:tagLst xmlns:p="http://schemas.openxmlformats.org/presentationml/2006/main">
+  <p:tag name="KSO_WM_UNIT_HIGHLIGHT" val="0"/>
+  <p:tag name="KSO_WM_UNIT_COMPATIBLE" val="0"/>
+  <p:tag name="KSO_WM_UNIT_DIAGRAM_ISNUMVISUAL" val="0"/>
+  <p:tag name="KSO_WM_UNIT_DIAGRAM_ISREFERUNIT" val="0"/>
+  <p:tag name="KSO_WM_UNIT_ID" val="_6**"/>
+  <p:tag name="KSO_WM_UNIT_LAYERLEVEL" val="1"/>
+  <p:tag name="KSO_WM_TAG_VERSION" val="1.0"/>
+  <p:tag name="KSO_WM_BEAUTIFY_FLAG" val="#wm#"/>
+</p:tagLst>
+</file>
+
+<file path=ppt/tags/tag27.xml><?xml version="1.0" encoding="utf-8"?>
+<p:tagLst xmlns:p="http://schemas.openxmlformats.org/presentationml/2006/main">
+  <p:tag name="KSO_WM_UNIT_HIGHLIGHT" val="0"/>
+  <p:tag name="KSO_WM_UNIT_COMPATIBLE" val="0"/>
+  <p:tag name="KSO_WM_UNIT_DIAGRAM_ISNUMVISUAL" val="0"/>
+  <p:tag name="KSO_WM_UNIT_DIAGRAM_ISREFERUNIT" val="0"/>
+  <p:tag name="KSO_WM_UNIT_ID" val="_6**"/>
+  <p:tag name="KSO_WM_UNIT_LAYERLEVEL" val="1"/>
+  <p:tag name="KSO_WM_TAG_VERSION" val="1.0"/>
+  <p:tag name="KSO_WM_BEAUTIFY_FLAG" val="#wm#"/>
+</p:tagLst>
+</file>
+
+<file path=ppt/tags/tag28.xml><?xml version="1.0" encoding="utf-8"?>
+<p:tagLst xmlns:p="http://schemas.openxmlformats.org/presentationml/2006/main">
+  <p:tag name="KSO_WM_UNIT_HIGHLIGHT" val="0"/>
+  <p:tag name="KSO_WM_UNIT_COMPATIBLE" val="0"/>
+  <p:tag name="KSO_WM_UNIT_DIAGRAM_ISNUMVISUAL" val="0"/>
+  <p:tag name="KSO_WM_UNIT_DIAGRAM_ISREFERUNIT" val="0"/>
+  <p:tag name="KSO_WM_UNIT_ID" val="_6**"/>
+  <p:tag name="KSO_WM_UNIT_LAYERLEVEL" val="1"/>
+  <p:tag name="KSO_WM_TAG_VERSION" val="1.0"/>
+  <p:tag name="KSO_WM_BEAUTIFY_FLAG" val="#wm#"/>
+</p:tagLst>
+</file>
+
+<file path=ppt/tags/tag29.xml><?xml version="1.0" encoding="utf-8"?>
+<p:tagLst xmlns:p="http://schemas.openxmlformats.org/presentationml/2006/main">
+  <p:tag name="KSO_WM_UNIT_HIGHLIGHT" val="0"/>
+  <p:tag name="KSO_WM_UNIT_COMPATIBLE" val="0"/>
+  <p:tag name="KSO_WM_UNIT_DIAGRAM_ISNUMVISUAL" val="0"/>
+  <p:tag name="KSO_WM_UNIT_DIAGRAM_ISREFERUNIT" val="0"/>
+  <p:tag name="KSO_WM_UNIT_ID" val="_7**"/>
+  <p:tag name="KSO_WM_UNIT_LAYERLEVEL" val="1"/>
+  <p:tag name="KSO_WM_TAG_VERSION" val="1.0"/>
+  <p:tag name="KSO_WM_BEAUTIFY_FLAG" val="#wm#"/>
+</p:tagLst>
+</file>
+
+<file path=ppt/tags/tag3.xml><?xml version="1.0" encoding="utf-8"?>
+<p:tagLst xmlns:p="http://schemas.openxmlformats.org/presentationml/2006/main">
+  <p:tag name="KSO_WM_UNIT_HIGHLIGHT" val="0"/>
+  <p:tag name="KSO_WM_UNIT_COMPATIBLE" val="0"/>
+  <p:tag name="KSO_WM_UNIT_DIAGRAM_ISNUMVISUAL" val="0"/>
+  <p:tag name="KSO_WM_UNIT_DIAGRAM_ISREFERUNIT" val="0"/>
+  <p:tag name="KSO_WM_UNIT_ID" val="_1**"/>
+  <p:tag name="KSO_WM_UNIT_LAYERLEVEL" val="1"/>
+  <p:tag name="KSO_WM_TAG_VERSION" val="1.0"/>
+  <p:tag name="KSO_WM_BEAUTIFY_FLAG" val="#wm#"/>
+</p:tagLst>
+</file>
+
+<file path=ppt/tags/tag30.xml><?xml version="1.0" encoding="utf-8"?>
+<p:tagLst xmlns:p="http://schemas.openxmlformats.org/presentationml/2006/main">
+  <p:tag name="KSO_WM_UNIT_HIGHLIGHT" val="0"/>
+  <p:tag name="KSO_WM_UNIT_COMPATIBLE" val="0"/>
+  <p:tag name="KSO_WM_UNIT_DIAGRAM_ISNUMVISUAL" val="0"/>
+  <p:tag name="KSO_WM_UNIT_DIAGRAM_ISREFERUNIT" val="0"/>
+  <p:tag name="KSO_WM_UNIT_ID" val="_7**"/>
+  <p:tag name="KSO_WM_UNIT_LAYERLEVEL" val="1"/>
+  <p:tag name="KSO_WM_TAG_VERSION" val="1.0"/>
+  <p:tag name="KSO_WM_BEAUTIFY_FLAG" val="#wm#"/>
+</p:tagLst>
+</file>
+
+<file path=ppt/tags/tag31.xml><?xml version="1.0" encoding="utf-8"?>
+<p:tagLst xmlns:p="http://schemas.openxmlformats.org/presentationml/2006/main">
+  <p:tag name="KSO_WM_UNIT_HIGHLIGHT" val="0"/>
+  <p:tag name="KSO_WM_UNIT_COMPATIBLE" val="0"/>
+  <p:tag name="KSO_WM_UNIT_DIAGRAM_ISNUMVISUAL" val="0"/>
+  <p:tag name="KSO_WM_UNIT_DIAGRAM_ISREFERUNIT" val="0"/>
+  <p:tag name="KSO_WM_UNIT_ID" val="_7**"/>
+  <p:tag name="KSO_WM_UNIT_LAYERLEVEL" val="1"/>
+  <p:tag name="KSO_WM_TAG_VERSION" val="1.0"/>
+  <p:tag name="KSO_WM_BEAUTIFY_FLAG" val="#wm#"/>
+</p:tagLst>
+</file>
+
+<file path=ppt/tags/tag32.xml><?xml version="1.0" encoding="utf-8"?>
+<p:tagLst xmlns:p="http://schemas.openxmlformats.org/presentationml/2006/main">
+  <p:tag name="KSO_WM_UNIT_HIGHLIGHT" val="0"/>
+  <p:tag name="KSO_WM_UNIT_COMPATIBLE" val="0"/>
+  <p:tag name="KSO_WM_UNIT_DIAGRAM_ISNUMVISUAL" val="0"/>
+  <p:tag name="KSO_WM_UNIT_DIAGRAM_ISREFERUNIT" val="0"/>
+  <p:tag name="KSO_WM_UNIT_ID" val="_8**"/>
+  <p:tag name="KSO_WM_UNIT_LAYERLEVEL" val="1"/>
+  <p:tag name="KSO_WM_TAG_VERSION" val="1.0"/>
+  <p:tag name="KSO_WM_BEAUTIFY_FLAG" val="#wm#"/>
+</p:tagLst>
+</file>
+
+<file path=ppt/tags/tag33.xml><?xml version="1.0" encoding="utf-8"?>
+<p:tagLst xmlns:p="http://schemas.openxmlformats.org/presentationml/2006/main">
+  <p:tag name="KSO_WM_UNIT_HIGHLIGHT" val="0"/>
+  <p:tag name="KSO_WM_UNIT_COMPATIBLE" val="0"/>
+  <p:tag name="KSO_WM_UNIT_DIAGRAM_ISNUMVISUAL" val="0"/>
+  <p:tag name="KSO_WM_UNIT_DIAGRAM_ISREFERUNIT" val="0"/>
+  <p:tag name="KSO_WM_UNIT_ID" val="_8**"/>
+  <p:tag name="KSO_WM_UNIT_LAYERLEVEL" val="1"/>
+  <p:tag name="KSO_WM_TAG_VERSION" val="1.0"/>
+  <p:tag name="KSO_WM_BEAUTIFY_FLAG" val="#wm#"/>
+</p:tagLst>
+</file>
+
+<file path=ppt/tags/tag34.xml><?xml version="1.0" encoding="utf-8"?>
+<p:tagLst xmlns:p="http://schemas.openxmlformats.org/presentationml/2006/main">
+  <p:tag name="KSO_WM_UNIT_HIGHLIGHT" val="0"/>
+  <p:tag name="KSO_WM_UNIT_COMPATIBLE" val="0"/>
+  <p:tag name="KSO_WM_UNIT_DIAGRAM_ISNUMVISUAL" val="0"/>
+  <p:tag name="KSO_WM_UNIT_DIAGRAM_ISREFERUNIT" val="0"/>
+  <p:tag name="KSO_WM_UNIT_ID" val="_8**"/>
+  <p:tag name="KSO_WM_UNIT_LAYERLEVEL" val="1"/>
+  <p:tag name="KSO_WM_TAG_VERSION" val="1.0"/>
+  <p:tag name="KSO_WM_BEAUTIFY_FLAG" val="#wm#"/>
+</p:tagLst>
+</file>
+
+<file path=ppt/tags/tag35.xml><?xml version="1.0" encoding="utf-8"?>
+<p:tagLst xmlns:p="http://schemas.openxmlformats.org/presentationml/2006/main">
+  <p:tag name="KSO_WM_UNIT_HIGHLIGHT" val="0"/>
+  <p:tag name="KSO_WM_UNIT_COMPATIBLE" val="0"/>
+  <p:tag name="KSO_WM_UNIT_DIAGRAM_ISNUMVISUAL" val="0"/>
+  <p:tag name="KSO_WM_UNIT_DIAGRAM_ISREFERUNIT" val="0"/>
+  <p:tag name="KSO_WM_UNIT_ID" val="_8**"/>
+  <p:tag name="KSO_WM_UNIT_LAYERLEVEL" val="1"/>
+  <p:tag name="KSO_WM_TAG_VERSION" val="1.0"/>
+  <p:tag name="KSO_WM_BEAUTIFY_FLAG" val="#wm#"/>
+</p:tagLst>
+</file>
+
+<file path=ppt/tags/tag36.xml><?xml version="1.0" encoding="utf-8"?>
+<p:tagLst xmlns:p="http://schemas.openxmlformats.org/presentationml/2006/main">
+  <p:tag name="KSO_WM_UNIT_HIGHLIGHT" val="0"/>
+  <p:tag name="KSO_WM_UNIT_COMPATIBLE" val="0"/>
+  <p:tag name="KSO_WM_UNIT_DIAGRAM_ISNUMVISUAL" val="0"/>
+  <p:tag name="KSO_WM_UNIT_DIAGRAM_ISREFERUNIT" val="0"/>
+  <p:tag name="KSO_WM_UNIT_ID" val="_8**"/>
+  <p:tag name="KSO_WM_UNIT_LAYERLEVEL" val="1"/>
+  <p:tag name="KSO_WM_TAG_VERSION" val="1.0"/>
+  <p:tag name="KSO_WM_BEAUTIFY_FLAG" val="#wm#"/>
+</p:tagLst>
+</file>
+
+<file path=ppt/tags/tag37.xml><?xml version="1.0" encoding="utf-8"?>
+<p:tagLst xmlns:p="http://schemas.openxmlformats.org/presentationml/2006/main">
+  <p:tag name="KSO_WM_UNIT_HIGHLIGHT" val="0"/>
+  <p:tag name="KSO_WM_UNIT_COMPATIBLE" val="0"/>
+  <p:tag name="KSO_WM_UNIT_DIAGRAM_ISNUMVISUAL" val="0"/>
+  <p:tag name="KSO_WM_UNIT_DIAGRAM_ISREFERUNIT" val="0"/>
+  <p:tag name="KSO_WM_UNIT_ID" val="_8**"/>
+  <p:tag name="KSO_WM_UNIT_LAYERLEVEL" val="1"/>
+  <p:tag name="KSO_WM_TAG_VERSION" val="1.0"/>
+  <p:tag name="KSO_WM_BEAUTIFY_FLAG" val="#wm#"/>
+</p:tagLst>
+</file>
+
+<file path=ppt/tags/tag38.xml><?xml version="1.0" encoding="utf-8"?>
+<p:tagLst xmlns:p="http://schemas.openxmlformats.org/presentationml/2006/main">
+  <p:tag name="KSO_WM_UNIT_HIGHLIGHT" val="0"/>
+  <p:tag name="KSO_WM_UNIT_COMPATIBLE" val="0"/>
+  <p:tag name="KSO_WM_UNIT_DIAGRAM_ISNUMVISUAL" val="0"/>
+  <p:tag name="KSO_WM_UNIT_DIAGRAM_ISREFERUNIT" val="0"/>
+  <p:tag name="KSO_WM_UNIT_ID" val="_9**"/>
+  <p:tag name="KSO_WM_UNIT_LAYERLEVEL" val="1"/>
+  <p:tag name="KSO_WM_TAG_VERSION" val="1.0"/>
+  <p:tag name="KSO_WM_BEAUTIFY_FLAG" val="#wm#"/>
+</p:tagLst>
+</file>
+
+<file path=ppt/tags/tag39.xml><?xml version="1.0" encoding="utf-8"?>
+<p:tagLst xmlns:p="http://schemas.openxmlformats.org/presentationml/2006/main">
+  <p:tag name="KSO_WM_UNIT_HIGHLIGHT" val="0"/>
+  <p:tag name="KSO_WM_UNIT_COMPATIBLE" val="0"/>
+  <p:tag name="KSO_WM_UNIT_DIAGRAM_ISNUMVISUAL" val="0"/>
+  <p:tag name="KSO_WM_UNIT_DIAGRAM_ISREFERUNIT" val="0"/>
+  <p:tag name="KSO_WM_UNIT_ID" val="_9**"/>
+  <p:tag name="KSO_WM_UNIT_LAYERLEVEL" val="1"/>
+  <p:tag name="KSO_WM_TAG_VERSION" val="1.0"/>
+  <p:tag name="KSO_WM_BEAUTIFY_FLAG" val="#wm#"/>
+</p:tagLst>
+</file>
+
+<file path=ppt/tags/tag4.xml><?xml version="1.0" encoding="utf-8"?>
+<p:tagLst xmlns:p="http://schemas.openxmlformats.org/presentationml/2006/main">
+  <p:tag name="KSO_WM_UNIT_HIGHLIGHT" val="0"/>
+  <p:tag name="KSO_WM_UNIT_COMPATIBLE" val="0"/>
+  <p:tag name="KSO_WM_UNIT_DIAGRAM_ISNUMVISUAL" val="0"/>
+  <p:tag name="KSO_WM_UNIT_DIAGRAM_ISREFERUNIT" val="0"/>
+  <p:tag name="KSO_WM_UNIT_ID" val="_1**"/>
+  <p:tag name="KSO_WM_UNIT_LAYERLEVEL" val="1"/>
+  <p:tag name="KSO_WM_TAG_VERSION" val="1.0"/>
+  <p:tag name="KSO_WM_BEAUTIFY_FLAG" val="#wm#"/>
+</p:tagLst>
+</file>
+
+<file path=ppt/tags/tag40.xml><?xml version="1.0" encoding="utf-8"?>
+<p:tagLst xmlns:p="http://schemas.openxmlformats.org/presentationml/2006/main">
+  <p:tag name="KSO_WM_UNIT_HIGHLIGHT" val="0"/>
+  <p:tag name="KSO_WM_UNIT_COMPATIBLE" val="0"/>
+  <p:tag name="KSO_WM_UNIT_DIAGRAM_ISNUMVISUAL" val="0"/>
+  <p:tag name="KSO_WM_UNIT_DIAGRAM_ISREFERUNIT" val="0"/>
+  <p:tag name="KSO_WM_UNIT_ID" val="_9**"/>
+  <p:tag name="KSO_WM_UNIT_LAYERLEVEL" val="1"/>
+  <p:tag name="KSO_WM_TAG_VERSION" val="1.0"/>
+  <p:tag name="KSO_WM_BEAUTIFY_FLAG" val="#wm#"/>
+</p:tagLst>
+</file>
+
+<file path=ppt/tags/tag41.xml><?xml version="1.0" encoding="utf-8"?>
+<p:tagLst xmlns:p="http://schemas.openxmlformats.org/presentationml/2006/main">
+  <p:tag name="KSO_WM_UNIT_HIGHLIGHT" val="0"/>
+  <p:tag name="KSO_WM_UNIT_COMPATIBLE" val="0"/>
+  <p:tag name="KSO_WM_UNIT_DIAGRAM_ISNUMVISUAL" val="0"/>
+  <p:tag name="KSO_WM_UNIT_DIAGRAM_ISREFERUNIT" val="0"/>
+  <p:tag name="KSO_WM_UNIT_ID" val="_9**"/>
+  <p:tag name="KSO_WM_UNIT_LAYERLEVEL" val="1"/>
+  <p:tag name="KSO_WM_TAG_VERSION" val="1.0"/>
+  <p:tag name="KSO_WM_BEAUTIFY_FLAG" val="#wm#"/>
+</p:tagLst>
+</file>
+
+<file path=ppt/tags/tag42.xml><?xml version="1.0" encoding="utf-8"?>
+<p:tagLst xmlns:p="http://schemas.openxmlformats.org/presentationml/2006/main">
+  <p:tag name="KSO_WM_UNIT_HIGHLIGHT" val="0"/>
+  <p:tag name="KSO_WM_UNIT_COMPATIBLE" val="0"/>
+  <p:tag name="KSO_WM_UNIT_DIAGRAM_ISNUMVISUAL" val="0"/>
+  <p:tag name="KSO_WM_UNIT_DIAGRAM_ISREFERUNIT" val="0"/>
+  <p:tag name="KSO_WM_UNIT_ID" val="_9**"/>
+  <p:tag name="KSO_WM_UNIT_LAYERLEVEL" val="1"/>
+  <p:tag name="KSO_WM_TAG_VERSION" val="1.0"/>
+  <p:tag name="KSO_WM_BEAUTIFY_FLAG" val="#wm#"/>
+</p:tagLst>
+</file>
+
+<file path=ppt/tags/tag43.xml><?xml version="1.0" encoding="utf-8"?>
+<p:tagLst xmlns:p="http://schemas.openxmlformats.org/presentationml/2006/main">
+  <p:tag name="KSO_WM_UNIT_HIGHLIGHT" val="0"/>
+  <p:tag name="KSO_WM_UNIT_COMPATIBLE" val="0"/>
+  <p:tag name="KSO_WM_UNIT_DIAGRAM_ISNUMVISUAL" val="0"/>
+  <p:tag name="KSO_WM_UNIT_DIAGRAM_ISREFERUNIT" val="0"/>
+  <p:tag name="KSO_WM_UNIT_ID" val="_10**"/>
+  <p:tag name="KSO_WM_UNIT_LAYERLEVEL" val="1"/>
+  <p:tag name="KSO_WM_TAG_VERSION" val="1.0"/>
+  <p:tag name="KSO_WM_BEAUTIFY_FLAG" val="#wm#"/>
+</p:tagLst>
+</file>
+
+<file path=ppt/tags/tag44.xml><?xml version="1.0" encoding="utf-8"?>
+<p:tagLst xmlns:p="http://schemas.openxmlformats.org/presentationml/2006/main">
+  <p:tag name="KSO_WM_UNIT_HIGHLIGHT" val="0"/>
+  <p:tag name="KSO_WM_UNIT_COMPATIBLE" val="0"/>
+  <p:tag name="KSO_WM_UNIT_DIAGRAM_ISNUMVISUAL" val="0"/>
+  <p:tag name="KSO_WM_UNIT_DIAGRAM_ISREFERUNIT" val="0"/>
+  <p:tag name="KSO_WM_UNIT_ID" val="_10**"/>
+  <p:tag name="KSO_WM_UNIT_LAYERLEVEL" val="1"/>
+  <p:tag name="KSO_WM_TAG_VERSION" val="1.0"/>
+  <p:tag name="KSO_WM_BEAUTIFY_FLAG" val="#wm#"/>
+</p:tagLst>
+</file>
+
+<file path=ppt/tags/tag45.xml><?xml version="1.0" encoding="utf-8"?>
+<p:tagLst xmlns:p="http://schemas.openxmlformats.org/presentationml/2006/main">
+  <p:tag name="KSO_WM_UNIT_HIGHLIGHT" val="0"/>
+  <p:tag name="KSO_WM_UNIT_COMPATIBLE" val="0"/>
+  <p:tag name="KSO_WM_UNIT_DIAGRAM_ISNUMVISUAL" val="0"/>
+  <p:tag name="KSO_WM_UNIT_DIAGRAM_ISREFERUNIT" val="0"/>
+  <p:tag name="KSO_WM_UNIT_ID" val="_10**"/>
+  <p:tag name="KSO_WM_UNIT_LAYERLEVEL" val="1"/>
+  <p:tag name="KSO_WM_TAG_VERSION" val="1.0"/>
+  <p:tag name="KSO_WM_BEAUTIFY_FLAG" val="#wm#"/>
+</p:tagLst>
+</file>
+
+<file path=ppt/tags/tag46.xml><?xml version="1.0" encoding="utf-8"?>
+<p:tagLst xmlns:p="http://schemas.openxmlformats.org/presentationml/2006/main">
+  <p:tag name="KSO_WM_UNIT_HIGHLIGHT" val="0"/>
+  <p:tag name="KSO_WM_UNIT_COMPATIBLE" val="0"/>
+  <p:tag name="KSO_WM_UNIT_DIAGRAM_ISNUMVISUAL" val="0"/>
+  <p:tag name="KSO_WM_UNIT_DIAGRAM_ISREFERUNIT" val="0"/>
+  <p:tag name="KSO_WM_UNIT_ID" val="_10**"/>
+  <p:tag name="KSO_WM_UNIT_LAYERLEVEL" val="1"/>
+  <p:tag name="KSO_WM_TAG_VERSION" val="1.0"/>
+  <p:tag name="KSO_WM_BEAUTIFY_FLAG" val="#wm#"/>
+</p:tagLst>
+</file>
+
+<file path=ppt/tags/tag47.xml><?xml version="1.0" encoding="utf-8"?>
+<p:tagLst xmlns:p="http://schemas.openxmlformats.org/presentationml/2006/main">
+  <p:tag name="KSO_WM_UNIT_HIGHLIGHT" val="0"/>
+  <p:tag name="KSO_WM_UNIT_COMPATIBLE" val="0"/>
+  <p:tag name="KSO_WM_UNIT_DIAGRAM_ISNUMVISUAL" val="0"/>
+  <p:tag name="KSO_WM_UNIT_DIAGRAM_ISREFERUNIT" val="0"/>
+  <p:tag name="KSO_WM_UNIT_ID" val="_11**"/>
+  <p:tag name="KSO_WM_UNIT_LAYERLEVEL" val="1"/>
+  <p:tag name="KSO_WM_TAG_VERSION" val="1.0"/>
+  <p:tag name="KSO_WM_BEAUTIFY_FLAG" val="#wm#"/>
+</p:tagLst>
+</file>
+
+<file path=ppt/tags/tag48.xml><?xml version="1.0" encoding="utf-8"?>
+<p:tagLst xmlns:p="http://schemas.openxmlformats.org/presentationml/2006/main">
+  <p:tag name="KSO_WM_UNIT_HIGHLIGHT" val="0"/>
+  <p:tag name="KSO_WM_UNIT_COMPATIBLE" val="0"/>
+  <p:tag name="KSO_WM_UNIT_DIAGRAM_ISNUMVISUAL" val="0"/>
+  <p:tag name="KSO_WM_UNIT_DIAGRAM_ISREFERUNIT" val="0"/>
+  <p:tag name="KSO_WM_UNIT_ID" val="_11**"/>
+  <p:tag name="KSO_WM_UNIT_LAYERLEVEL" val="1"/>
+  <p:tag name="KSO_WM_TAG_VERSION" val="1.0"/>
+  <p:tag name="KSO_WM_BEAUTIFY_FLAG" val="#wm#"/>
+</p:tagLst>
+</file>
+
+<file path=ppt/tags/tag49.xml><?xml version="1.0" encoding="utf-8"?>
+<p:tagLst xmlns:p="http://schemas.openxmlformats.org/presentationml/2006/main">
+  <p:tag name="KSO_WM_UNIT_HIGHLIGHT" val="0"/>
+  <p:tag name="KSO_WM_UNIT_COMPATIBLE" val="0"/>
+  <p:tag name="KSO_WM_UNIT_DIAGRAM_ISNUMVISUAL" val="0"/>
+  <p:tag name="KSO_WM_UNIT_DIAGRAM_ISREFERUNIT" val="0"/>
+  <p:tag name="KSO_WM_UNIT_ID" val="_11**"/>
+  <p:tag name="KSO_WM_UNIT_LAYERLEVEL" val="1"/>
+  <p:tag name="KSO_WM_TAG_VERSION" val="1.0"/>
+  <p:tag name="KSO_WM_BEAUTIFY_FLAG" val="#wm#"/>
+</p:tagLst>
+</file>
+
+<file path=ppt/tags/tag5.xml><?xml version="1.0" encoding="utf-8"?>
+<p:tagLst xmlns:p="http://schemas.openxmlformats.org/presentationml/2006/main">
+  <p:tag name="KSO_WM_UNIT_HIGHLIGHT" val="0"/>
+  <p:tag name="KSO_WM_UNIT_COMPATIBLE" val="0"/>
+  <p:tag name="KSO_WM_UNIT_DIAGRAM_ISNUMVISUAL" val="0"/>
+  <p:tag name="KSO_WM_UNIT_DIAGRAM_ISREFERUNIT" val="0"/>
+  <p:tag name="KSO_WM_UNIT_ID" val="_1**"/>
+  <p:tag name="KSO_WM_UNIT_LAYERLEVEL" val="1"/>
+  <p:tag name="KSO_WM_TAG_VERSION" val="1.0"/>
+  <p:tag name="KSO_WM_BEAUTIFY_FLAG" val="#wm#"/>
+</p:tagLst>
+</file>
+
+<file path=ppt/tags/tag50.xml><?xml version="1.0" encoding="utf-8"?>
+<p:tagLst xmlns:p="http://schemas.openxmlformats.org/presentationml/2006/main">
+  <p:tag name="KSO_WM_UNIT_HIGHLIGHT" val="0"/>
+  <p:tag name="KSO_WM_UNIT_COMPATIBLE" val="0"/>
+  <p:tag name="KSO_WM_UNIT_DIAGRAM_ISNUMVISUAL" val="0"/>
+  <p:tag name="KSO_WM_UNIT_DIAGRAM_ISREFERUNIT" val="0"/>
+  <p:tag name="KSO_WM_UNIT_ID" val="_11**"/>
+  <p:tag name="KSO_WM_UNIT_LAYERLEVEL" val="1"/>
+  <p:tag name="KSO_WM_TAG_VERSION" val="1.0"/>
+  <p:tag name="KSO_WM_BEAUTIFY_FLAG" val="#wm#"/>
+</p:tagLst>
+</file>
+
+<file path=ppt/tags/tag51.xml><?xml version="1.0" encoding="utf-8"?>
+<p:tagLst xmlns:p="http://schemas.openxmlformats.org/presentationml/2006/main">
+  <p:tag name="KSO_WM_UNIT_HIGHLIGHT" val="0"/>
+  <p:tag name="KSO_WM_UNIT_COMPATIBLE" val="0"/>
+  <p:tag name="KSO_WM_UNIT_DIAGRAM_ISNUMVISUAL" val="0"/>
+  <p:tag name="KSO_WM_UNIT_DIAGRAM_ISREFERUNIT" val="0"/>
+  <p:tag name="KSO_WM_UNIT_ID" val="_11**"/>
+  <p:tag name="KSO_WM_UNIT_LAYERLEVEL" val="1"/>
+  <p:tag name="KSO_WM_TAG_VERSION" val="1.0"/>
+  <p:tag name="KSO_WM_BEAUTIFY_FLAG" val="#wm#"/>
+</p:tagLst>
+</file>
+
+<file path=ppt/tags/tag52.xml><?xml version="1.0" encoding="utf-8"?>
+<p:tagLst xmlns:p="http://schemas.openxmlformats.org/presentationml/2006/main">
+  <p:tag name="KSO_WM_UNIT_HIGHLIGHT" val="0"/>
+  <p:tag name="KSO_WM_UNIT_COMPATIBLE" val="0"/>
+  <p:tag name="KSO_WM_UNIT_DIAGRAM_ISNUMVISUAL" val="0"/>
+  <p:tag name="KSO_WM_UNIT_DIAGRAM_ISREFERUNIT" val="0"/>
+  <p:tag name="KSO_WM_UNIT_ID" val="_0**"/>
+  <p:tag name="KSO_WM_UNIT_LAYERLEVEL" val="1"/>
+  <p:tag name="KSO_WM_TAG_VERSION" val="1.0"/>
+  <p:tag name="KSO_WM_BEAUTIFY_FLAG" val="#wm#"/>
+</p:tagLst>
+</file>
+
+<file path=ppt/tags/tag53.xml><?xml version="1.0" encoding="utf-8"?>
+<p:tagLst xmlns:p="http://schemas.openxmlformats.org/presentationml/2006/main">
+  <p:tag name="KSO_WM_UNIT_HIGHLIGHT" val="0"/>
+  <p:tag name="KSO_WM_UNIT_COMPATIBLE" val="0"/>
+  <p:tag name="KSO_WM_UNIT_DIAGRAM_ISNUMVISUAL" val="0"/>
+  <p:tag name="KSO_WM_UNIT_DIAGRAM_ISREFERUNIT" val="0"/>
+  <p:tag name="KSO_WM_UNIT_ID" val="_0**"/>
+  <p:tag name="KSO_WM_UNIT_LAYERLEVEL" val="1"/>
+  <p:tag name="KSO_WM_TAG_VERSION" val="1.0"/>
+  <p:tag name="KSO_WM_BEAUTIFY_FLAG" val="#wm#"/>
+</p:tagLst>
+</file>
+
+<file path=ppt/tags/tag54.xml><?xml version="1.0" encoding="utf-8"?>
+<p:tagLst xmlns:p="http://schemas.openxmlformats.org/presentationml/2006/main">
+  <p:tag name="KSO_WM_UNIT_HIGHLIGHT" val="0"/>
+  <p:tag name="KSO_WM_UNIT_COMPATIBLE" val="0"/>
+  <p:tag name="KSO_WM_UNIT_DIAGRAM_ISNUMVISUAL" val="0"/>
+  <p:tag name="KSO_WM_UNIT_DIAGRAM_ISREFERUNIT" val="0"/>
+  <p:tag name="KSO_WM_UNIT_ID" val="_0**"/>
+  <p:tag name="KSO_WM_UNIT_LAYERLEVEL" val="1"/>
+  <p:tag name="KSO_WM_TAG_VERSION" val="1.0"/>
+  <p:tag name="KSO_WM_BEAUTIFY_FLAG" val="#wm#"/>
+</p:tagLst>
+</file>
+
+<file path=ppt/tags/tag55.xml><?xml version="1.0" encoding="utf-8"?>
+<p:tagLst xmlns:p="http://schemas.openxmlformats.org/presentationml/2006/main">
+  <p:tag name="KSO_WM_TEMPLATE_THUMBS_INDEX" val="1、4、7、12、13、14、15、16、17、18、20、24、25、28、33、36、40、43、44"/>
+  <p:tag name="KSO_WM_TEMPLATE_SUBCATEGORY" val="19"/>
+  <p:tag name="KSO_WM_TAG_VERSION" val="1.0"/>
+  <p:tag name="KSO_WM_BEAUTIFY_FLAG" val="#wm#"/>
+  <p:tag name="KSO_WM_TEMPLATE_CATEGORY" val="custom"/>
+  <p:tag name="KSO_WM_TEMPLATE_INDEX" val="20205176"/>
+  <p:tag name="KSO_WM_TEMPLATE_MASTER_TYPE" val="0"/>
+  <p:tag name="KSO_WM_TEMPLATE_COLOR_TYPE" val="1"/>
+  <p:tag name="KSO_WM_UNIT_SHOW_EDIT_AREA_INDICATION" val="1"/>
+</p:tagLst>
+</file>
+
+<file path=ppt/tags/tag56.xml><?xml version="1.0" encoding="utf-8"?>
+<p:tagLst xmlns:p="http://schemas.openxmlformats.org/presentationml/2006/main">
+  <p:tag name="KSO_WM_BEAUTIFY_FLAG" val=""/>
+</p:tagLst>
+</file>
+
+<file path=ppt/tags/tag57.xml><?xml version="1.0" encoding="utf-8"?>
+<p:tagLst xmlns:p="http://schemas.openxmlformats.org/presentationml/2006/main">
+  <p:tag name="KSO_WM_BEAUTIFY_FLAG" val=""/>
+</p:tagLst>
+</file>
+
+<file path=ppt/tags/tag58.xml><?xml version="1.0" encoding="utf-8"?>
+<p:tagLst xmlns:p="http://schemas.openxmlformats.org/presentationml/2006/main">
+  <p:tag name="KSO_WM_BEAUTIFY_FLAG" val=""/>
+</p:tagLst>
+</file>
+
+<file path=ppt/tags/tag59.xml><?xml version="1.0" encoding="utf-8"?>
+<p:tagLst xmlns:p="http://schemas.openxmlformats.org/presentationml/2006/main">
+  <p:tag name="KSO_WM_BEAUTIFY_FLAG" val=""/>
+</p:tagLst>
+</file>
+
+<file path=ppt/tags/tag6.xml><?xml version="1.0" encoding="utf-8"?>
 <p:tagLst xmlns:p="http://schemas.openxmlformats.org/presentationml/2006/main">
   <p:tag name="KSO_WM_UNIT_HIGHLIGHT" val="0"/>
   <p:tag name="KSO_WM_UNIT_COMPATIBLE" val="0"/>
@@ -3534,706 +5151,9 @@
 </p:tagLst>
 </file>
 
-<file path=ppt/tags/tag12.xml><?xml version="1.0" encoding="utf-8"?>
-<p:tagLst xmlns:p="http://schemas.openxmlformats.org/presentationml/2006/main">
-  <p:tag name="KSO_WM_UNIT_HIGHLIGHT" val="0"/>
-  <p:tag name="KSO_WM_UNIT_COMPATIBLE" val="0"/>
-  <p:tag name="KSO_WM_UNIT_DIAGRAM_ISNUMVISUAL" val="0"/>
-  <p:tag name="KSO_WM_UNIT_DIAGRAM_ISREFERUNIT" val="0"/>
-  <p:tag name="KSO_WM_UNIT_ID" val="_3**"/>
-  <p:tag name="KSO_WM_UNIT_LAYERLEVEL" val="1"/>
-  <p:tag name="KSO_WM_TAG_VERSION" val="1.0"/>
-  <p:tag name="KSO_WM_BEAUTIFY_FLAG" val="#wm#"/>
-</p:tagLst>
-</file>
-
-<file path=ppt/tags/tag13.xml><?xml version="1.0" encoding="utf-8"?>
-<p:tagLst xmlns:p="http://schemas.openxmlformats.org/presentationml/2006/main">
-  <p:tag name="KSO_WM_UNIT_HIGHLIGHT" val="0"/>
-  <p:tag name="KSO_WM_UNIT_COMPATIBLE" val="0"/>
-  <p:tag name="KSO_WM_UNIT_DIAGRAM_ISNUMVISUAL" val="0"/>
-  <p:tag name="KSO_WM_UNIT_DIAGRAM_ISREFERUNIT" val="0"/>
-  <p:tag name="KSO_WM_UNIT_ID" val="_3**"/>
-  <p:tag name="KSO_WM_UNIT_LAYERLEVEL" val="1"/>
-  <p:tag name="KSO_WM_TAG_VERSION" val="1.0"/>
-  <p:tag name="KSO_WM_BEAUTIFY_FLAG" val="#wm#"/>
-</p:tagLst>
-</file>
-
-<file path=ppt/tags/tag14.xml><?xml version="1.0" encoding="utf-8"?>
-<p:tagLst xmlns:p="http://schemas.openxmlformats.org/presentationml/2006/main">
-  <p:tag name="KSO_WM_UNIT_HIGHLIGHT" val="0"/>
-  <p:tag name="KSO_WM_UNIT_COMPATIBLE" val="0"/>
-  <p:tag name="KSO_WM_UNIT_DIAGRAM_ISNUMVISUAL" val="0"/>
-  <p:tag name="KSO_WM_UNIT_DIAGRAM_ISREFERUNIT" val="0"/>
-  <p:tag name="KSO_WM_UNIT_ID" val="_3**"/>
-  <p:tag name="KSO_WM_UNIT_LAYERLEVEL" val="1"/>
-  <p:tag name="KSO_WM_TAG_VERSION" val="1.0"/>
-  <p:tag name="KSO_WM_BEAUTIFY_FLAG" val="#wm#"/>
-</p:tagLst>
-</file>
-
-<file path=ppt/tags/tag15.xml><?xml version="1.0" encoding="utf-8"?>
-<p:tagLst xmlns:p="http://schemas.openxmlformats.org/presentationml/2006/main">
-  <p:tag name="KSO_WM_UNIT_HIGHLIGHT" val="0"/>
-  <p:tag name="KSO_WM_UNIT_COMPATIBLE" val="0"/>
-  <p:tag name="KSO_WM_UNIT_DIAGRAM_ISNUMVISUAL" val="0"/>
-  <p:tag name="KSO_WM_UNIT_DIAGRAM_ISREFERUNIT" val="0"/>
-  <p:tag name="KSO_WM_UNIT_ID" val="_3**"/>
-  <p:tag name="KSO_WM_UNIT_LAYERLEVEL" val="1"/>
-  <p:tag name="KSO_WM_TAG_VERSION" val="1.0"/>
-  <p:tag name="KSO_WM_BEAUTIFY_FLAG" val="#wm#"/>
-</p:tagLst>
-</file>
-
-<file path=ppt/tags/tag16.xml><?xml version="1.0" encoding="utf-8"?>
-<p:tagLst xmlns:p="http://schemas.openxmlformats.org/presentationml/2006/main">
-  <p:tag name="KSO_WM_UNIT_HIGHLIGHT" val="0"/>
-  <p:tag name="KSO_WM_UNIT_COMPATIBLE" val="0"/>
-  <p:tag name="KSO_WM_UNIT_DIAGRAM_ISNUMVISUAL" val="0"/>
-  <p:tag name="KSO_WM_UNIT_DIAGRAM_ISREFERUNIT" val="0"/>
-  <p:tag name="KSO_WM_UNIT_ID" val="_4**"/>
-  <p:tag name="KSO_WM_UNIT_LAYERLEVEL" val="1"/>
-  <p:tag name="KSO_WM_TAG_VERSION" val="1.0"/>
-  <p:tag name="KSO_WM_BEAUTIFY_FLAG" val="#wm#"/>
-</p:tagLst>
-</file>
-
-<file path=ppt/tags/tag17.xml><?xml version="1.0" encoding="utf-8"?>
-<p:tagLst xmlns:p="http://schemas.openxmlformats.org/presentationml/2006/main">
-  <p:tag name="KSO_WM_UNIT_HIGHLIGHT" val="0"/>
-  <p:tag name="KSO_WM_UNIT_COMPATIBLE" val="0"/>
-  <p:tag name="KSO_WM_UNIT_DIAGRAM_ISNUMVISUAL" val="0"/>
-  <p:tag name="KSO_WM_UNIT_DIAGRAM_ISREFERUNIT" val="0"/>
-  <p:tag name="KSO_WM_UNIT_ID" val="_4**"/>
-  <p:tag name="KSO_WM_UNIT_LAYERLEVEL" val="1"/>
-  <p:tag name="KSO_WM_TAG_VERSION" val="1.0"/>
-  <p:tag name="KSO_WM_BEAUTIFY_FLAG" val="#wm#"/>
-</p:tagLst>
-</file>
-
-<file path=ppt/tags/tag18.xml><?xml version="1.0" encoding="utf-8"?>
-<p:tagLst xmlns:p="http://schemas.openxmlformats.org/presentationml/2006/main">
-  <p:tag name="KSO_WM_UNIT_HIGHLIGHT" val="0"/>
-  <p:tag name="KSO_WM_UNIT_COMPATIBLE" val="0"/>
-  <p:tag name="KSO_WM_UNIT_DIAGRAM_ISNUMVISUAL" val="0"/>
-  <p:tag name="KSO_WM_UNIT_DIAGRAM_ISREFERUNIT" val="0"/>
-  <p:tag name="KSO_WM_UNIT_ID" val="_4**"/>
-  <p:tag name="KSO_WM_UNIT_LAYERLEVEL" val="1"/>
-  <p:tag name="KSO_WM_TAG_VERSION" val="1.0"/>
-  <p:tag name="KSO_WM_BEAUTIFY_FLAG" val="#wm#"/>
-</p:tagLst>
-</file>
-
-<file path=ppt/tags/tag19.xml><?xml version="1.0" encoding="utf-8"?>
-<p:tagLst xmlns:p="http://schemas.openxmlformats.org/presentationml/2006/main">
-  <p:tag name="KSO_WM_UNIT_HIGHLIGHT" val="0"/>
-  <p:tag name="KSO_WM_UNIT_COMPATIBLE" val="0"/>
-  <p:tag name="KSO_WM_UNIT_DIAGRAM_ISNUMVISUAL" val="0"/>
-  <p:tag name="KSO_WM_UNIT_DIAGRAM_ISREFERUNIT" val="0"/>
-  <p:tag name="KSO_WM_UNIT_ID" val="_4**"/>
-  <p:tag name="KSO_WM_UNIT_LAYERLEVEL" val="1"/>
-  <p:tag name="KSO_WM_TAG_VERSION" val="1.0"/>
-  <p:tag name="KSO_WM_BEAUTIFY_FLAG" val="#wm#"/>
-</p:tagLst>
-</file>
-
-<file path=ppt/tags/tag2.xml><?xml version="1.0" encoding="utf-8"?>
-<p:tagLst xmlns:p="http://schemas.openxmlformats.org/presentationml/2006/main">
-  <p:tag name="KSO_WM_UNIT_HIGHLIGHT" val="0"/>
-  <p:tag name="KSO_WM_UNIT_COMPATIBLE" val="0"/>
-  <p:tag name="KSO_WM_UNIT_DIAGRAM_ISNUMVISUAL" val="0"/>
-  <p:tag name="KSO_WM_UNIT_DIAGRAM_ISREFERUNIT" val="0"/>
-  <p:tag name="KSO_WM_UNIT_ID" val="_1**"/>
-  <p:tag name="KSO_WM_UNIT_LAYERLEVEL" val="1"/>
-  <p:tag name="KSO_WM_TAG_VERSION" val="1.0"/>
-  <p:tag name="KSO_WM_BEAUTIFY_FLAG" val="#wm#"/>
-</p:tagLst>
-</file>
-
-<file path=ppt/tags/tag20.xml><?xml version="1.0" encoding="utf-8"?>
-<p:tagLst xmlns:p="http://schemas.openxmlformats.org/presentationml/2006/main">
-  <p:tag name="KSO_WM_UNIT_HIGHLIGHT" val="0"/>
-  <p:tag name="KSO_WM_UNIT_COMPATIBLE" val="0"/>
-  <p:tag name="KSO_WM_UNIT_DIAGRAM_ISNUMVISUAL" val="0"/>
-  <p:tag name="KSO_WM_UNIT_DIAGRAM_ISREFERUNIT" val="0"/>
-  <p:tag name="KSO_WM_UNIT_ID" val="_4**"/>
-  <p:tag name="KSO_WM_UNIT_LAYERLEVEL" val="1"/>
-  <p:tag name="KSO_WM_TAG_VERSION" val="1.0"/>
-  <p:tag name="KSO_WM_BEAUTIFY_FLAG" val="#wm#"/>
-</p:tagLst>
-</file>
-
-<file path=ppt/tags/tag21.xml><?xml version="1.0" encoding="utf-8"?>
-<p:tagLst xmlns:p="http://schemas.openxmlformats.org/presentationml/2006/main">
-  <p:tag name="KSO_WM_UNIT_HIGHLIGHT" val="0"/>
-  <p:tag name="KSO_WM_UNIT_COMPATIBLE" val="0"/>
-  <p:tag name="KSO_WM_UNIT_DIAGRAM_ISNUMVISUAL" val="0"/>
-  <p:tag name="KSO_WM_UNIT_DIAGRAM_ISREFERUNIT" val="0"/>
-  <p:tag name="KSO_WM_UNIT_ID" val="_4**"/>
-  <p:tag name="KSO_WM_UNIT_LAYERLEVEL" val="1"/>
-  <p:tag name="KSO_WM_TAG_VERSION" val="1.0"/>
-  <p:tag name="KSO_WM_BEAUTIFY_FLAG" val="#wm#"/>
-</p:tagLst>
-</file>
-
-<file path=ppt/tags/tag22.xml><?xml version="1.0" encoding="utf-8"?>
-<p:tagLst xmlns:p="http://schemas.openxmlformats.org/presentationml/2006/main">
-  <p:tag name="KSO_WM_UNIT_HIGHLIGHT" val="0"/>
-  <p:tag name="KSO_WM_UNIT_COMPATIBLE" val="0"/>
-  <p:tag name="KSO_WM_UNIT_DIAGRAM_ISNUMVISUAL" val="0"/>
-  <p:tag name="KSO_WM_UNIT_DIAGRAM_ISREFERUNIT" val="0"/>
-  <p:tag name="KSO_WM_UNIT_ID" val="_5**"/>
-  <p:tag name="KSO_WM_UNIT_LAYERLEVEL" val="1"/>
-  <p:tag name="KSO_WM_TAG_VERSION" val="1.0"/>
-  <p:tag name="KSO_WM_BEAUTIFY_FLAG" val="#wm#"/>
-</p:tagLst>
-</file>
-
-<file path=ppt/tags/tag23.xml><?xml version="1.0" encoding="utf-8"?>
-<p:tagLst xmlns:p="http://schemas.openxmlformats.org/presentationml/2006/main">
-  <p:tag name="KSO_WM_UNIT_HIGHLIGHT" val="0"/>
-  <p:tag name="KSO_WM_UNIT_COMPATIBLE" val="0"/>
-  <p:tag name="KSO_WM_UNIT_DIAGRAM_ISNUMVISUAL" val="0"/>
-  <p:tag name="KSO_WM_UNIT_DIAGRAM_ISREFERUNIT" val="0"/>
-  <p:tag name="KSO_WM_UNIT_ID" val="_5**"/>
-  <p:tag name="KSO_WM_UNIT_LAYERLEVEL" val="1"/>
-  <p:tag name="KSO_WM_TAG_VERSION" val="1.0"/>
-  <p:tag name="KSO_WM_BEAUTIFY_FLAG" val="#wm#"/>
-</p:tagLst>
-</file>
-
-<file path=ppt/tags/tag24.xml><?xml version="1.0" encoding="utf-8"?>
-<p:tagLst xmlns:p="http://schemas.openxmlformats.org/presentationml/2006/main">
-  <p:tag name="KSO_WM_UNIT_HIGHLIGHT" val="0"/>
-  <p:tag name="KSO_WM_UNIT_COMPATIBLE" val="0"/>
-  <p:tag name="KSO_WM_UNIT_DIAGRAM_ISNUMVISUAL" val="0"/>
-  <p:tag name="KSO_WM_UNIT_DIAGRAM_ISREFERUNIT" val="0"/>
-  <p:tag name="KSO_WM_UNIT_ID" val="_5**"/>
-  <p:tag name="KSO_WM_UNIT_LAYERLEVEL" val="1"/>
-  <p:tag name="KSO_WM_TAG_VERSION" val="1.0"/>
-  <p:tag name="KSO_WM_BEAUTIFY_FLAG" val="#wm#"/>
-</p:tagLst>
-</file>
-
-<file path=ppt/tags/tag25.xml><?xml version="1.0" encoding="utf-8"?>
-<p:tagLst xmlns:p="http://schemas.openxmlformats.org/presentationml/2006/main">
-  <p:tag name="KSO_WM_UNIT_HIGHLIGHT" val="0"/>
-  <p:tag name="KSO_WM_UNIT_COMPATIBLE" val="0"/>
-  <p:tag name="KSO_WM_UNIT_DIAGRAM_ISNUMVISUAL" val="0"/>
-  <p:tag name="KSO_WM_UNIT_DIAGRAM_ISREFERUNIT" val="0"/>
-  <p:tag name="KSO_WM_UNIT_ID" val="_5**"/>
-  <p:tag name="KSO_WM_UNIT_LAYERLEVEL" val="1"/>
-  <p:tag name="KSO_WM_TAG_VERSION" val="1.0"/>
-  <p:tag name="KSO_WM_BEAUTIFY_FLAG" val="#wm#"/>
-</p:tagLst>
-</file>
-
-<file path=ppt/tags/tag26.xml><?xml version="1.0" encoding="utf-8"?>
-<p:tagLst xmlns:p="http://schemas.openxmlformats.org/presentationml/2006/main">
-  <p:tag name="KSO_WM_UNIT_HIGHLIGHT" val="0"/>
-  <p:tag name="KSO_WM_UNIT_COMPATIBLE" val="0"/>
-  <p:tag name="KSO_WM_UNIT_DIAGRAM_ISNUMVISUAL" val="0"/>
-  <p:tag name="KSO_WM_UNIT_DIAGRAM_ISREFERUNIT" val="0"/>
-  <p:tag name="KSO_WM_UNIT_ID" val="_5**"/>
-  <p:tag name="KSO_WM_UNIT_LAYERLEVEL" val="1"/>
-  <p:tag name="KSO_WM_TAG_VERSION" val="1.0"/>
-  <p:tag name="KSO_WM_BEAUTIFY_FLAG" val="#wm#"/>
-</p:tagLst>
-</file>
-
-<file path=ppt/tags/tag27.xml><?xml version="1.0" encoding="utf-8"?>
-<p:tagLst xmlns:p="http://schemas.openxmlformats.org/presentationml/2006/main">
-  <p:tag name="KSO_WM_UNIT_HIGHLIGHT" val="0"/>
-  <p:tag name="KSO_WM_UNIT_COMPATIBLE" val="0"/>
-  <p:tag name="KSO_WM_UNIT_DIAGRAM_ISNUMVISUAL" val="0"/>
-  <p:tag name="KSO_WM_UNIT_DIAGRAM_ISREFERUNIT" val="0"/>
-  <p:tag name="KSO_WM_UNIT_ID" val="_5**"/>
-  <p:tag name="KSO_WM_UNIT_LAYERLEVEL" val="1"/>
-  <p:tag name="KSO_WM_TAG_VERSION" val="1.0"/>
-  <p:tag name="KSO_WM_BEAUTIFY_FLAG" val="#wm#"/>
-</p:tagLst>
-</file>
-
-<file path=ppt/tags/tag28.xml><?xml version="1.0" encoding="utf-8"?>
-<p:tagLst xmlns:p="http://schemas.openxmlformats.org/presentationml/2006/main">
-  <p:tag name="KSO_WM_UNIT_HIGHLIGHT" val="0"/>
-  <p:tag name="KSO_WM_UNIT_COMPATIBLE" val="0"/>
-  <p:tag name="KSO_WM_UNIT_DIAGRAM_ISNUMVISUAL" val="0"/>
-  <p:tag name="KSO_WM_UNIT_DIAGRAM_ISREFERUNIT" val="0"/>
-  <p:tag name="KSO_WM_UNIT_ID" val="_5**"/>
-  <p:tag name="KSO_WM_UNIT_LAYERLEVEL" val="1"/>
-  <p:tag name="KSO_WM_TAG_VERSION" val="1.0"/>
-  <p:tag name="KSO_WM_BEAUTIFY_FLAG" val="#wm#"/>
-</p:tagLst>
-</file>
-
-<file path=ppt/tags/tag29.xml><?xml version="1.0" encoding="utf-8"?>
-<p:tagLst xmlns:p="http://schemas.openxmlformats.org/presentationml/2006/main">
-  <p:tag name="KSO_WM_UNIT_HIGHLIGHT" val="0"/>
-  <p:tag name="KSO_WM_UNIT_COMPATIBLE" val="0"/>
-  <p:tag name="KSO_WM_UNIT_DIAGRAM_ISNUMVISUAL" val="0"/>
-  <p:tag name="KSO_WM_UNIT_DIAGRAM_ISREFERUNIT" val="0"/>
-  <p:tag name="KSO_WM_UNIT_ID" val="_5**"/>
-  <p:tag name="KSO_WM_UNIT_LAYERLEVEL" val="1"/>
-  <p:tag name="KSO_WM_TAG_VERSION" val="1.0"/>
-  <p:tag name="KSO_WM_BEAUTIFY_FLAG" val="#wm#"/>
-</p:tagLst>
-</file>
-
-<file path=ppt/tags/tag3.xml><?xml version="1.0" encoding="utf-8"?>
-<p:tagLst xmlns:p="http://schemas.openxmlformats.org/presentationml/2006/main">
-  <p:tag name="KSO_WM_UNIT_HIGHLIGHT" val="0"/>
-  <p:tag name="KSO_WM_UNIT_COMPATIBLE" val="0"/>
-  <p:tag name="KSO_WM_UNIT_DIAGRAM_ISNUMVISUAL" val="0"/>
-  <p:tag name="KSO_WM_UNIT_DIAGRAM_ISREFERUNIT" val="0"/>
-  <p:tag name="KSO_WM_UNIT_ID" val="_1**"/>
-  <p:tag name="KSO_WM_UNIT_LAYERLEVEL" val="1"/>
-  <p:tag name="KSO_WM_TAG_VERSION" val="1.0"/>
-  <p:tag name="KSO_WM_BEAUTIFY_FLAG" val="#wm#"/>
-</p:tagLst>
-</file>
-
-<file path=ppt/tags/tag30.xml><?xml version="1.0" encoding="utf-8"?>
-<p:tagLst xmlns:p="http://schemas.openxmlformats.org/presentationml/2006/main">
-  <p:tag name="KSO_WM_UNIT_HIGHLIGHT" val="0"/>
-  <p:tag name="KSO_WM_UNIT_COMPATIBLE" val="0"/>
-  <p:tag name="KSO_WM_UNIT_DIAGRAM_ISNUMVISUAL" val="0"/>
-  <p:tag name="KSO_WM_UNIT_DIAGRAM_ISREFERUNIT" val="0"/>
-  <p:tag name="KSO_WM_UNIT_ID" val="_6**"/>
-  <p:tag name="KSO_WM_UNIT_LAYERLEVEL" val="1"/>
-  <p:tag name="KSO_WM_TAG_VERSION" val="1.0"/>
-  <p:tag name="KSO_WM_BEAUTIFY_FLAG" val="#wm#"/>
-</p:tagLst>
-</file>
-
-<file path=ppt/tags/tag31.xml><?xml version="1.0" encoding="utf-8"?>
-<p:tagLst xmlns:p="http://schemas.openxmlformats.org/presentationml/2006/main">
-  <p:tag name="KSO_WM_UNIT_HIGHLIGHT" val="0"/>
-  <p:tag name="KSO_WM_UNIT_COMPATIBLE" val="0"/>
-  <p:tag name="KSO_WM_UNIT_DIAGRAM_ISNUMVISUAL" val="0"/>
-  <p:tag name="KSO_WM_UNIT_DIAGRAM_ISREFERUNIT" val="0"/>
-  <p:tag name="KSO_WM_UNIT_ID" val="_6**"/>
-  <p:tag name="KSO_WM_UNIT_LAYERLEVEL" val="1"/>
-  <p:tag name="KSO_WM_TAG_VERSION" val="1.0"/>
-  <p:tag name="KSO_WM_BEAUTIFY_FLAG" val="#wm#"/>
-</p:tagLst>
-</file>
-
-<file path=ppt/tags/tag32.xml><?xml version="1.0" encoding="utf-8"?>
-<p:tagLst xmlns:p="http://schemas.openxmlformats.org/presentationml/2006/main">
-  <p:tag name="KSO_WM_UNIT_HIGHLIGHT" val="0"/>
-  <p:tag name="KSO_WM_UNIT_COMPATIBLE" val="0"/>
-  <p:tag name="KSO_WM_UNIT_DIAGRAM_ISNUMVISUAL" val="0"/>
-  <p:tag name="KSO_WM_UNIT_DIAGRAM_ISREFERUNIT" val="0"/>
-  <p:tag name="KSO_WM_UNIT_ID" val="_6**"/>
-  <p:tag name="KSO_WM_UNIT_LAYERLEVEL" val="1"/>
-  <p:tag name="KSO_WM_TAG_VERSION" val="1.0"/>
-  <p:tag name="KSO_WM_BEAUTIFY_FLAG" val="#wm#"/>
-</p:tagLst>
-</file>
-
-<file path=ppt/tags/tag33.xml><?xml version="1.0" encoding="utf-8"?>
-<p:tagLst xmlns:p="http://schemas.openxmlformats.org/presentationml/2006/main">
-  <p:tag name="KSO_WM_UNIT_HIGHLIGHT" val="0"/>
-  <p:tag name="KSO_WM_UNIT_COMPATIBLE" val="0"/>
-  <p:tag name="KSO_WM_UNIT_DIAGRAM_ISNUMVISUAL" val="0"/>
-  <p:tag name="KSO_WM_UNIT_DIAGRAM_ISREFERUNIT" val="0"/>
-  <p:tag name="KSO_WM_UNIT_ID" val="_6**"/>
-  <p:tag name="KSO_WM_UNIT_LAYERLEVEL" val="1"/>
-  <p:tag name="KSO_WM_TAG_VERSION" val="1.0"/>
-  <p:tag name="KSO_WM_BEAUTIFY_FLAG" val="#wm#"/>
-</p:tagLst>
-</file>
-
-<file path=ppt/tags/tag34.xml><?xml version="1.0" encoding="utf-8"?>
-<p:tagLst xmlns:p="http://schemas.openxmlformats.org/presentationml/2006/main">
-  <p:tag name="KSO_WM_UNIT_HIGHLIGHT" val="0"/>
-  <p:tag name="KSO_WM_UNIT_COMPATIBLE" val="0"/>
-  <p:tag name="KSO_WM_UNIT_DIAGRAM_ISNUMVISUAL" val="0"/>
-  <p:tag name="KSO_WM_UNIT_DIAGRAM_ISREFERUNIT" val="0"/>
-  <p:tag name="KSO_WM_UNIT_ID" val="_7**"/>
-  <p:tag name="KSO_WM_UNIT_LAYERLEVEL" val="1"/>
-  <p:tag name="KSO_WM_TAG_VERSION" val="1.0"/>
-  <p:tag name="KSO_WM_BEAUTIFY_FLAG" val="#wm#"/>
-</p:tagLst>
-</file>
-
-<file path=ppt/tags/tag35.xml><?xml version="1.0" encoding="utf-8"?>
-<p:tagLst xmlns:p="http://schemas.openxmlformats.org/presentationml/2006/main">
-  <p:tag name="KSO_WM_UNIT_HIGHLIGHT" val="0"/>
-  <p:tag name="KSO_WM_UNIT_COMPATIBLE" val="0"/>
-  <p:tag name="KSO_WM_UNIT_DIAGRAM_ISNUMVISUAL" val="0"/>
-  <p:tag name="KSO_WM_UNIT_DIAGRAM_ISREFERUNIT" val="0"/>
-  <p:tag name="KSO_WM_UNIT_ID" val="_7**"/>
-  <p:tag name="KSO_WM_UNIT_LAYERLEVEL" val="1"/>
-  <p:tag name="KSO_WM_TAG_VERSION" val="1.0"/>
-  <p:tag name="KSO_WM_BEAUTIFY_FLAG" val="#wm#"/>
-</p:tagLst>
-</file>
-
-<file path=ppt/tags/tag36.xml><?xml version="1.0" encoding="utf-8"?>
-<p:tagLst xmlns:p="http://schemas.openxmlformats.org/presentationml/2006/main">
-  <p:tag name="KSO_WM_UNIT_HIGHLIGHT" val="0"/>
-  <p:tag name="KSO_WM_UNIT_COMPATIBLE" val="0"/>
-  <p:tag name="KSO_WM_UNIT_DIAGRAM_ISNUMVISUAL" val="0"/>
-  <p:tag name="KSO_WM_UNIT_DIAGRAM_ISREFERUNIT" val="0"/>
-  <p:tag name="KSO_WM_UNIT_ID" val="_7**"/>
-  <p:tag name="KSO_WM_UNIT_LAYERLEVEL" val="1"/>
-  <p:tag name="KSO_WM_TAG_VERSION" val="1.0"/>
-  <p:tag name="KSO_WM_BEAUTIFY_FLAG" val="#wm#"/>
-</p:tagLst>
-</file>
-
-<file path=ppt/tags/tag37.xml><?xml version="1.0" encoding="utf-8"?>
-<p:tagLst xmlns:p="http://schemas.openxmlformats.org/presentationml/2006/main">
-  <p:tag name="KSO_WM_UNIT_HIGHLIGHT" val="0"/>
-  <p:tag name="KSO_WM_UNIT_COMPATIBLE" val="0"/>
-  <p:tag name="KSO_WM_UNIT_DIAGRAM_ISNUMVISUAL" val="0"/>
-  <p:tag name="KSO_WM_UNIT_DIAGRAM_ISREFERUNIT" val="0"/>
-  <p:tag name="KSO_WM_UNIT_ID" val="_8**"/>
-  <p:tag name="KSO_WM_UNIT_LAYERLEVEL" val="1"/>
-  <p:tag name="KSO_WM_TAG_VERSION" val="1.0"/>
-  <p:tag name="KSO_WM_BEAUTIFY_FLAG" val="#wm#"/>
-</p:tagLst>
-</file>
-
-<file path=ppt/tags/tag38.xml><?xml version="1.0" encoding="utf-8"?>
-<p:tagLst xmlns:p="http://schemas.openxmlformats.org/presentationml/2006/main">
-  <p:tag name="KSO_WM_UNIT_HIGHLIGHT" val="0"/>
-  <p:tag name="KSO_WM_UNIT_COMPATIBLE" val="0"/>
-  <p:tag name="KSO_WM_UNIT_DIAGRAM_ISNUMVISUAL" val="0"/>
-  <p:tag name="KSO_WM_UNIT_DIAGRAM_ISREFERUNIT" val="0"/>
-  <p:tag name="KSO_WM_UNIT_ID" val="_8**"/>
-  <p:tag name="KSO_WM_UNIT_LAYERLEVEL" val="1"/>
-  <p:tag name="KSO_WM_TAG_VERSION" val="1.0"/>
-  <p:tag name="KSO_WM_BEAUTIFY_FLAG" val="#wm#"/>
-</p:tagLst>
-</file>
-
-<file path=ppt/tags/tag39.xml><?xml version="1.0" encoding="utf-8"?>
-<p:tagLst xmlns:p="http://schemas.openxmlformats.org/presentationml/2006/main">
-  <p:tag name="KSO_WM_UNIT_HIGHLIGHT" val="0"/>
-  <p:tag name="KSO_WM_UNIT_COMPATIBLE" val="0"/>
-  <p:tag name="KSO_WM_UNIT_DIAGRAM_ISNUMVISUAL" val="0"/>
-  <p:tag name="KSO_WM_UNIT_DIAGRAM_ISREFERUNIT" val="0"/>
-  <p:tag name="KSO_WM_UNIT_ID" val="_8**"/>
-  <p:tag name="KSO_WM_UNIT_LAYERLEVEL" val="1"/>
-  <p:tag name="KSO_WM_TAG_VERSION" val="1.0"/>
-  <p:tag name="KSO_WM_BEAUTIFY_FLAG" val="#wm#"/>
-</p:tagLst>
-</file>
-
-<file path=ppt/tags/tag4.xml><?xml version="1.0" encoding="utf-8"?>
-<p:tagLst xmlns:p="http://schemas.openxmlformats.org/presentationml/2006/main">
-  <p:tag name="KSO_WM_UNIT_HIGHLIGHT" val="0"/>
-  <p:tag name="KSO_WM_UNIT_COMPATIBLE" val="0"/>
-  <p:tag name="KSO_WM_UNIT_DIAGRAM_ISNUMVISUAL" val="0"/>
-  <p:tag name="KSO_WM_UNIT_DIAGRAM_ISREFERUNIT" val="0"/>
-  <p:tag name="KSO_WM_UNIT_ID" val="_1**"/>
-  <p:tag name="KSO_WM_UNIT_LAYERLEVEL" val="1"/>
-  <p:tag name="KSO_WM_TAG_VERSION" val="1.0"/>
-  <p:tag name="KSO_WM_BEAUTIFY_FLAG" val="#wm#"/>
-</p:tagLst>
-</file>
-
-<file path=ppt/tags/tag40.xml><?xml version="1.0" encoding="utf-8"?>
-<p:tagLst xmlns:p="http://schemas.openxmlformats.org/presentationml/2006/main">
-  <p:tag name="KSO_WM_UNIT_HIGHLIGHT" val="0"/>
-  <p:tag name="KSO_WM_UNIT_COMPATIBLE" val="0"/>
-  <p:tag name="KSO_WM_UNIT_DIAGRAM_ISNUMVISUAL" val="0"/>
-  <p:tag name="KSO_WM_UNIT_DIAGRAM_ISREFERUNIT" val="0"/>
-  <p:tag name="KSO_WM_UNIT_ID" val="_8**"/>
-  <p:tag name="KSO_WM_UNIT_LAYERLEVEL" val="1"/>
-  <p:tag name="KSO_WM_TAG_VERSION" val="1.0"/>
-  <p:tag name="KSO_WM_BEAUTIFY_FLAG" val="#wm#"/>
-</p:tagLst>
-</file>
-
-<file path=ppt/tags/tag41.xml><?xml version="1.0" encoding="utf-8"?>
-<p:tagLst xmlns:p="http://schemas.openxmlformats.org/presentationml/2006/main">
-  <p:tag name="KSO_WM_UNIT_HIGHLIGHT" val="0"/>
-  <p:tag name="KSO_WM_UNIT_COMPATIBLE" val="0"/>
-  <p:tag name="KSO_WM_UNIT_DIAGRAM_ISNUMVISUAL" val="0"/>
-  <p:tag name="KSO_WM_UNIT_DIAGRAM_ISREFERUNIT" val="0"/>
-  <p:tag name="KSO_WM_UNIT_ID" val="_8**"/>
-  <p:tag name="KSO_WM_UNIT_LAYERLEVEL" val="1"/>
-  <p:tag name="KSO_WM_TAG_VERSION" val="1.0"/>
-  <p:tag name="KSO_WM_BEAUTIFY_FLAG" val="#wm#"/>
-</p:tagLst>
-</file>
-
-<file path=ppt/tags/tag42.xml><?xml version="1.0" encoding="utf-8"?>
-<p:tagLst xmlns:p="http://schemas.openxmlformats.org/presentationml/2006/main">
-  <p:tag name="KSO_WM_UNIT_HIGHLIGHT" val="0"/>
-  <p:tag name="KSO_WM_UNIT_COMPATIBLE" val="0"/>
-  <p:tag name="KSO_WM_UNIT_DIAGRAM_ISNUMVISUAL" val="0"/>
-  <p:tag name="KSO_WM_UNIT_DIAGRAM_ISREFERUNIT" val="0"/>
-  <p:tag name="KSO_WM_UNIT_ID" val="_8**"/>
-  <p:tag name="KSO_WM_UNIT_LAYERLEVEL" val="1"/>
-  <p:tag name="KSO_WM_TAG_VERSION" val="1.0"/>
-  <p:tag name="KSO_WM_BEAUTIFY_FLAG" val="#wm#"/>
-</p:tagLst>
-</file>
-
-<file path=ppt/tags/tag43.xml><?xml version="1.0" encoding="utf-8"?>
-<p:tagLst xmlns:p="http://schemas.openxmlformats.org/presentationml/2006/main">
-  <p:tag name="KSO_WM_UNIT_HIGHLIGHT" val="0"/>
-  <p:tag name="KSO_WM_UNIT_COMPATIBLE" val="0"/>
-  <p:tag name="KSO_WM_UNIT_DIAGRAM_ISNUMVISUAL" val="0"/>
-  <p:tag name="KSO_WM_UNIT_DIAGRAM_ISREFERUNIT" val="0"/>
-  <p:tag name="KSO_WM_UNIT_ID" val="_9**"/>
-  <p:tag name="KSO_WM_UNIT_LAYERLEVEL" val="1"/>
-  <p:tag name="KSO_WM_TAG_VERSION" val="1.0"/>
-  <p:tag name="KSO_WM_BEAUTIFY_FLAG" val="#wm#"/>
-</p:tagLst>
-</file>
-
-<file path=ppt/tags/tag44.xml><?xml version="1.0" encoding="utf-8"?>
-<p:tagLst xmlns:p="http://schemas.openxmlformats.org/presentationml/2006/main">
-  <p:tag name="KSO_WM_UNIT_HIGHLIGHT" val="0"/>
-  <p:tag name="KSO_WM_UNIT_COMPATIBLE" val="0"/>
-  <p:tag name="KSO_WM_UNIT_DIAGRAM_ISNUMVISUAL" val="0"/>
-  <p:tag name="KSO_WM_UNIT_DIAGRAM_ISREFERUNIT" val="0"/>
-  <p:tag name="KSO_WM_UNIT_ID" val="_9**"/>
-  <p:tag name="KSO_WM_UNIT_LAYERLEVEL" val="1"/>
-  <p:tag name="KSO_WM_TAG_VERSION" val="1.0"/>
-  <p:tag name="KSO_WM_BEAUTIFY_FLAG" val="#wm#"/>
-</p:tagLst>
-</file>
-
-<file path=ppt/tags/tag45.xml><?xml version="1.0" encoding="utf-8"?>
-<p:tagLst xmlns:p="http://schemas.openxmlformats.org/presentationml/2006/main">
-  <p:tag name="KSO_WM_UNIT_HIGHLIGHT" val="0"/>
-  <p:tag name="KSO_WM_UNIT_COMPATIBLE" val="0"/>
-  <p:tag name="KSO_WM_UNIT_DIAGRAM_ISNUMVISUAL" val="0"/>
-  <p:tag name="KSO_WM_UNIT_DIAGRAM_ISREFERUNIT" val="0"/>
-  <p:tag name="KSO_WM_UNIT_ID" val="_9**"/>
-  <p:tag name="KSO_WM_UNIT_LAYERLEVEL" val="1"/>
-  <p:tag name="KSO_WM_TAG_VERSION" val="1.0"/>
-  <p:tag name="KSO_WM_BEAUTIFY_FLAG" val="#wm#"/>
-</p:tagLst>
-</file>
-
-<file path=ppt/tags/tag46.xml><?xml version="1.0" encoding="utf-8"?>
-<p:tagLst xmlns:p="http://schemas.openxmlformats.org/presentationml/2006/main">
-  <p:tag name="KSO_WM_UNIT_HIGHLIGHT" val="0"/>
-  <p:tag name="KSO_WM_UNIT_COMPATIBLE" val="0"/>
-  <p:tag name="KSO_WM_UNIT_DIAGRAM_ISNUMVISUAL" val="0"/>
-  <p:tag name="KSO_WM_UNIT_DIAGRAM_ISREFERUNIT" val="0"/>
-  <p:tag name="KSO_WM_UNIT_ID" val="_9**"/>
-  <p:tag name="KSO_WM_UNIT_LAYERLEVEL" val="1"/>
-  <p:tag name="KSO_WM_TAG_VERSION" val="1.0"/>
-  <p:tag name="KSO_WM_BEAUTIFY_FLAG" val="#wm#"/>
-</p:tagLst>
-</file>
-
-<file path=ppt/tags/tag47.xml><?xml version="1.0" encoding="utf-8"?>
-<p:tagLst xmlns:p="http://schemas.openxmlformats.org/presentationml/2006/main">
-  <p:tag name="KSO_WM_UNIT_HIGHLIGHT" val="0"/>
-  <p:tag name="KSO_WM_UNIT_COMPATIBLE" val="0"/>
-  <p:tag name="KSO_WM_UNIT_DIAGRAM_ISNUMVISUAL" val="0"/>
-  <p:tag name="KSO_WM_UNIT_DIAGRAM_ISREFERUNIT" val="0"/>
-  <p:tag name="KSO_WM_UNIT_ID" val="_9**"/>
-  <p:tag name="KSO_WM_UNIT_LAYERLEVEL" val="1"/>
-  <p:tag name="KSO_WM_TAG_VERSION" val="1.0"/>
-  <p:tag name="KSO_WM_BEAUTIFY_FLAG" val="#wm#"/>
-</p:tagLst>
-</file>
-
-<file path=ppt/tags/tag48.xml><?xml version="1.0" encoding="utf-8"?>
-<p:tagLst xmlns:p="http://schemas.openxmlformats.org/presentationml/2006/main">
-  <p:tag name="KSO_WM_UNIT_HIGHLIGHT" val="0"/>
-  <p:tag name="KSO_WM_UNIT_COMPATIBLE" val="0"/>
-  <p:tag name="KSO_WM_UNIT_DIAGRAM_ISNUMVISUAL" val="0"/>
-  <p:tag name="KSO_WM_UNIT_DIAGRAM_ISREFERUNIT" val="0"/>
-  <p:tag name="KSO_WM_UNIT_ID" val="_10**"/>
-  <p:tag name="KSO_WM_UNIT_LAYERLEVEL" val="1"/>
-  <p:tag name="KSO_WM_TAG_VERSION" val="1.0"/>
-  <p:tag name="KSO_WM_BEAUTIFY_FLAG" val="#wm#"/>
-</p:tagLst>
-</file>
-
-<file path=ppt/tags/tag49.xml><?xml version="1.0" encoding="utf-8"?>
-<p:tagLst xmlns:p="http://schemas.openxmlformats.org/presentationml/2006/main">
-  <p:tag name="KSO_WM_UNIT_HIGHLIGHT" val="0"/>
-  <p:tag name="KSO_WM_UNIT_COMPATIBLE" val="0"/>
-  <p:tag name="KSO_WM_UNIT_DIAGRAM_ISNUMVISUAL" val="0"/>
-  <p:tag name="KSO_WM_UNIT_DIAGRAM_ISREFERUNIT" val="0"/>
-  <p:tag name="KSO_WM_UNIT_ID" val="_10**"/>
-  <p:tag name="KSO_WM_UNIT_LAYERLEVEL" val="1"/>
-  <p:tag name="KSO_WM_TAG_VERSION" val="1.0"/>
-  <p:tag name="KSO_WM_BEAUTIFY_FLAG" val="#wm#"/>
-</p:tagLst>
-</file>
-
-<file path=ppt/tags/tag5.xml><?xml version="1.0" encoding="utf-8"?>
-<p:tagLst xmlns:p="http://schemas.openxmlformats.org/presentationml/2006/main">
-  <p:tag name="KSO_WM_UNIT_HIGHLIGHT" val="0"/>
-  <p:tag name="KSO_WM_UNIT_COMPATIBLE" val="0"/>
-  <p:tag name="KSO_WM_UNIT_DIAGRAM_ISNUMVISUAL" val="0"/>
-  <p:tag name="KSO_WM_UNIT_DIAGRAM_ISREFERUNIT" val="0"/>
-  <p:tag name="KSO_WM_UNIT_ID" val="_1**"/>
-  <p:tag name="KSO_WM_UNIT_LAYERLEVEL" val="1"/>
-  <p:tag name="KSO_WM_TAG_VERSION" val="1.0"/>
-  <p:tag name="KSO_WM_BEAUTIFY_FLAG" val="#wm#"/>
-</p:tagLst>
-</file>
-
-<file path=ppt/tags/tag50.xml><?xml version="1.0" encoding="utf-8"?>
-<p:tagLst xmlns:p="http://schemas.openxmlformats.org/presentationml/2006/main">
-  <p:tag name="KSO_WM_UNIT_HIGHLIGHT" val="0"/>
-  <p:tag name="KSO_WM_UNIT_COMPATIBLE" val="0"/>
-  <p:tag name="KSO_WM_UNIT_DIAGRAM_ISNUMVISUAL" val="0"/>
-  <p:tag name="KSO_WM_UNIT_DIAGRAM_ISREFERUNIT" val="0"/>
-  <p:tag name="KSO_WM_UNIT_ID" val="_10**"/>
-  <p:tag name="KSO_WM_UNIT_LAYERLEVEL" val="1"/>
-  <p:tag name="KSO_WM_TAG_VERSION" val="1.0"/>
-  <p:tag name="KSO_WM_BEAUTIFY_FLAG" val="#wm#"/>
-</p:tagLst>
-</file>
-
-<file path=ppt/tags/tag51.xml><?xml version="1.0" encoding="utf-8"?>
-<p:tagLst xmlns:p="http://schemas.openxmlformats.org/presentationml/2006/main">
-  <p:tag name="KSO_WM_UNIT_HIGHLIGHT" val="0"/>
-  <p:tag name="KSO_WM_UNIT_COMPATIBLE" val="0"/>
-  <p:tag name="KSO_WM_UNIT_DIAGRAM_ISNUMVISUAL" val="0"/>
-  <p:tag name="KSO_WM_UNIT_DIAGRAM_ISREFERUNIT" val="0"/>
-  <p:tag name="KSO_WM_UNIT_ID" val="_10**"/>
-  <p:tag name="KSO_WM_UNIT_LAYERLEVEL" val="1"/>
-  <p:tag name="KSO_WM_TAG_VERSION" val="1.0"/>
-  <p:tag name="KSO_WM_BEAUTIFY_FLAG" val="#wm#"/>
-</p:tagLst>
-</file>
-
-<file path=ppt/tags/tag52.xml><?xml version="1.0" encoding="utf-8"?>
-<p:tagLst xmlns:p="http://schemas.openxmlformats.org/presentationml/2006/main">
-  <p:tag name="KSO_WM_UNIT_HIGHLIGHT" val="0"/>
-  <p:tag name="KSO_WM_UNIT_COMPATIBLE" val="0"/>
-  <p:tag name="KSO_WM_UNIT_DIAGRAM_ISNUMVISUAL" val="0"/>
-  <p:tag name="KSO_WM_UNIT_DIAGRAM_ISREFERUNIT" val="0"/>
-  <p:tag name="KSO_WM_UNIT_ID" val="_11**"/>
-  <p:tag name="KSO_WM_UNIT_LAYERLEVEL" val="1"/>
-  <p:tag name="KSO_WM_TAG_VERSION" val="1.0"/>
-  <p:tag name="KSO_WM_BEAUTIFY_FLAG" val="#wm#"/>
-</p:tagLst>
-</file>
-
-<file path=ppt/tags/tag53.xml><?xml version="1.0" encoding="utf-8"?>
-<p:tagLst xmlns:p="http://schemas.openxmlformats.org/presentationml/2006/main">
-  <p:tag name="KSO_WM_UNIT_HIGHLIGHT" val="0"/>
-  <p:tag name="KSO_WM_UNIT_COMPATIBLE" val="0"/>
-  <p:tag name="KSO_WM_UNIT_DIAGRAM_ISNUMVISUAL" val="0"/>
-  <p:tag name="KSO_WM_UNIT_DIAGRAM_ISREFERUNIT" val="0"/>
-  <p:tag name="KSO_WM_UNIT_ID" val="_11**"/>
-  <p:tag name="KSO_WM_UNIT_LAYERLEVEL" val="1"/>
-  <p:tag name="KSO_WM_TAG_VERSION" val="1.0"/>
-  <p:tag name="KSO_WM_BEAUTIFY_FLAG" val="#wm#"/>
-</p:tagLst>
-</file>
-
-<file path=ppt/tags/tag54.xml><?xml version="1.0" encoding="utf-8"?>
-<p:tagLst xmlns:p="http://schemas.openxmlformats.org/presentationml/2006/main">
-  <p:tag name="KSO_WM_UNIT_HIGHLIGHT" val="0"/>
-  <p:tag name="KSO_WM_UNIT_COMPATIBLE" val="0"/>
-  <p:tag name="KSO_WM_UNIT_DIAGRAM_ISNUMVISUAL" val="0"/>
-  <p:tag name="KSO_WM_UNIT_DIAGRAM_ISREFERUNIT" val="0"/>
-  <p:tag name="KSO_WM_UNIT_ID" val="_11**"/>
-  <p:tag name="KSO_WM_UNIT_LAYERLEVEL" val="1"/>
-  <p:tag name="KSO_WM_TAG_VERSION" val="1.0"/>
-  <p:tag name="KSO_WM_BEAUTIFY_FLAG" val="#wm#"/>
-</p:tagLst>
-</file>
-
-<file path=ppt/tags/tag55.xml><?xml version="1.0" encoding="utf-8"?>
-<p:tagLst xmlns:p="http://schemas.openxmlformats.org/presentationml/2006/main">
-  <p:tag name="KSO_WM_UNIT_HIGHLIGHT" val="0"/>
-  <p:tag name="KSO_WM_UNIT_COMPATIBLE" val="0"/>
-  <p:tag name="KSO_WM_UNIT_DIAGRAM_ISNUMVISUAL" val="0"/>
-  <p:tag name="KSO_WM_UNIT_DIAGRAM_ISREFERUNIT" val="0"/>
-  <p:tag name="KSO_WM_UNIT_ID" val="_11**"/>
-  <p:tag name="KSO_WM_UNIT_LAYERLEVEL" val="1"/>
-  <p:tag name="KSO_WM_TAG_VERSION" val="1.0"/>
-  <p:tag name="KSO_WM_BEAUTIFY_FLAG" val="#wm#"/>
-</p:tagLst>
-</file>
-
-<file path=ppt/tags/tag56.xml><?xml version="1.0" encoding="utf-8"?>
-<p:tagLst xmlns:p="http://schemas.openxmlformats.org/presentationml/2006/main">
-  <p:tag name="KSO_WM_UNIT_HIGHLIGHT" val="0"/>
-  <p:tag name="KSO_WM_UNIT_COMPATIBLE" val="0"/>
-  <p:tag name="KSO_WM_UNIT_DIAGRAM_ISNUMVISUAL" val="0"/>
-  <p:tag name="KSO_WM_UNIT_DIAGRAM_ISREFERUNIT" val="0"/>
-  <p:tag name="KSO_WM_UNIT_ID" val="_11**"/>
-  <p:tag name="KSO_WM_UNIT_LAYERLEVEL" val="1"/>
-  <p:tag name="KSO_WM_TAG_VERSION" val="1.0"/>
-  <p:tag name="KSO_WM_BEAUTIFY_FLAG" val="#wm#"/>
-</p:tagLst>
-</file>
-
-<file path=ppt/tags/tag57.xml><?xml version="1.0" encoding="utf-8"?>
-<p:tagLst xmlns:p="http://schemas.openxmlformats.org/presentationml/2006/main">
-  <p:tag name="KSO_WM_UNIT_HIGHLIGHT" val="0"/>
-  <p:tag name="KSO_WM_UNIT_COMPATIBLE" val="0"/>
-  <p:tag name="KSO_WM_UNIT_DIAGRAM_ISNUMVISUAL" val="0"/>
-  <p:tag name="KSO_WM_UNIT_DIAGRAM_ISREFERUNIT" val="0"/>
-  <p:tag name="KSO_WM_UNIT_ID" val="_0**"/>
-  <p:tag name="KSO_WM_UNIT_LAYERLEVEL" val="1"/>
-  <p:tag name="KSO_WM_TAG_VERSION" val="1.0"/>
-  <p:tag name="KSO_WM_BEAUTIFY_FLAG" val="#wm#"/>
-</p:tagLst>
-</file>
-
-<file path=ppt/tags/tag58.xml><?xml version="1.0" encoding="utf-8"?>
-<p:tagLst xmlns:p="http://schemas.openxmlformats.org/presentationml/2006/main">
-  <p:tag name="KSO_WM_UNIT_HIGHLIGHT" val="0"/>
-  <p:tag name="KSO_WM_UNIT_COMPATIBLE" val="0"/>
-  <p:tag name="KSO_WM_UNIT_DIAGRAM_ISNUMVISUAL" val="0"/>
-  <p:tag name="KSO_WM_UNIT_DIAGRAM_ISREFERUNIT" val="0"/>
-  <p:tag name="KSO_WM_UNIT_ID" val="_0**"/>
-  <p:tag name="KSO_WM_UNIT_LAYERLEVEL" val="1"/>
-  <p:tag name="KSO_WM_TAG_VERSION" val="1.0"/>
-  <p:tag name="KSO_WM_BEAUTIFY_FLAG" val="#wm#"/>
-</p:tagLst>
-</file>
-
-<file path=ppt/tags/tag59.xml><?xml version="1.0" encoding="utf-8"?>
-<p:tagLst xmlns:p="http://schemas.openxmlformats.org/presentationml/2006/main">
-  <p:tag name="KSO_WM_UNIT_HIGHLIGHT" val="0"/>
-  <p:tag name="KSO_WM_UNIT_COMPATIBLE" val="0"/>
-  <p:tag name="KSO_WM_UNIT_DIAGRAM_ISNUMVISUAL" val="0"/>
-  <p:tag name="KSO_WM_UNIT_DIAGRAM_ISREFERUNIT" val="0"/>
-  <p:tag name="KSO_WM_UNIT_ID" val="_0**"/>
-  <p:tag name="KSO_WM_UNIT_LAYERLEVEL" val="1"/>
-  <p:tag name="KSO_WM_TAG_VERSION" val="1.0"/>
-  <p:tag name="KSO_WM_BEAUTIFY_FLAG" val="#wm#"/>
-</p:tagLst>
-</file>
-
-<file path=ppt/tags/tag6.xml><?xml version="1.0" encoding="utf-8"?>
-<p:tagLst xmlns:p="http://schemas.openxmlformats.org/presentationml/2006/main">
-  <p:tag name="KSO_WM_UNIT_HIGHLIGHT" val="0"/>
-  <p:tag name="KSO_WM_UNIT_COMPATIBLE" val="0"/>
-  <p:tag name="KSO_WM_UNIT_DIAGRAM_ISNUMVISUAL" val="0"/>
-  <p:tag name="KSO_WM_UNIT_DIAGRAM_ISREFERUNIT" val="0"/>
-  <p:tag name="KSO_WM_UNIT_ID" val="_2**"/>
-  <p:tag name="KSO_WM_UNIT_LAYERLEVEL" val="1"/>
-  <p:tag name="KSO_WM_TAG_VERSION" val="1.0"/>
-  <p:tag name="KSO_WM_BEAUTIFY_FLAG" val="#wm#"/>
-</p:tagLst>
-</file>
-
 <file path=ppt/tags/tag60.xml><?xml version="1.0" encoding="utf-8"?>
 <p:tagLst xmlns:p="http://schemas.openxmlformats.org/presentationml/2006/main">
-  <p:tag name="KSO_WM_TEMPLATE_THUMBS_INDEX" val="1、4、7、12、13、14、15、16、17、18、20、24、25、28、33、36、40、43、44"/>
-  <p:tag name="KSO_WM_TEMPLATE_SUBCATEGORY" val="19"/>
-  <p:tag name="KSO_WM_TAG_VERSION" val="1.0"/>
-  <p:tag name="KSO_WM_BEAUTIFY_FLAG" val="#wm#"/>
-  <p:tag name="KSO_WM_TEMPLATE_CATEGORY" val="custom"/>
-  <p:tag name="KSO_WM_TEMPLATE_INDEX" val="20205176"/>
-  <p:tag name="KSO_WM_TEMPLATE_MASTER_TYPE" val="0"/>
-  <p:tag name="KSO_WM_TEMPLATE_COLOR_TYPE" val="1"/>
-  <p:tag name="KSO_WM_UNIT_SHOW_EDIT_AREA_INDICATION" val="1"/>
+  <p:tag name="KSO_WM_BEAUTIFY_FLAG" val=""/>
 </p:tagLst>
 </file>
 
@@ -4262,49 +5182,6 @@
 </file>
 
 <file path=ppt/tags/tag65.xml><?xml version="1.0" encoding="utf-8"?>
-<p:tagLst xmlns:p="http://schemas.openxmlformats.org/presentationml/2006/main">
-  <p:tag name="KSO_WM_BEAUTIFY_FLAG" val=""/>
-</p:tagLst>
-</file>
-
-<file path=ppt/tags/tag66.xml><?xml version="1.0" encoding="utf-8"?>
-<p:tagLst xmlns:p="http://schemas.openxmlformats.org/presentationml/2006/main">
-  <p:tag name="KSO_WM_BEAUTIFY_FLAG" val=""/>
-</p:tagLst>
-</file>
-
-<file path=ppt/tags/tag67.xml><?xml version="1.0" encoding="utf-8"?>
-<p:tagLst xmlns:p="http://schemas.openxmlformats.org/presentationml/2006/main">
-  <p:tag name="KSO_WM_BEAUTIFY_FLAG" val=""/>
-</p:tagLst>
-</file>
-
-<file path=ppt/tags/tag68.xml><?xml version="1.0" encoding="utf-8"?>
-<p:tagLst xmlns:p="http://schemas.openxmlformats.org/presentationml/2006/main">
-  <p:tag name="KSO_WM_BEAUTIFY_FLAG" val=""/>
-</p:tagLst>
-</file>
-
-<file path=ppt/tags/tag69.xml><?xml version="1.0" encoding="utf-8"?>
-<p:tagLst xmlns:p="http://schemas.openxmlformats.org/presentationml/2006/main">
-  <p:tag name="KSO_WM_BEAUTIFY_FLAG" val=""/>
-</p:tagLst>
-</file>
-
-<file path=ppt/tags/tag7.xml><?xml version="1.0" encoding="utf-8"?>
-<p:tagLst xmlns:p="http://schemas.openxmlformats.org/presentationml/2006/main">
-  <p:tag name="KSO_WM_UNIT_HIGHLIGHT" val="0"/>
-  <p:tag name="KSO_WM_UNIT_COMPATIBLE" val="0"/>
-  <p:tag name="KSO_WM_UNIT_DIAGRAM_ISNUMVISUAL" val="0"/>
-  <p:tag name="KSO_WM_UNIT_DIAGRAM_ISREFERUNIT" val="0"/>
-  <p:tag name="KSO_WM_UNIT_ID" val="_2**"/>
-  <p:tag name="KSO_WM_UNIT_LAYERLEVEL" val="1"/>
-  <p:tag name="KSO_WM_TAG_VERSION" val="1.0"/>
-  <p:tag name="KSO_WM_BEAUTIFY_FLAG" val="#wm#"/>
-</p:tagLst>
-</file>
-
-<file path=ppt/tags/tag70.xml><?xml version="1.0" encoding="utf-8"?>
 <p:tagLst xmlns:p="http://schemas.openxmlformats.org/presentationml/2006/main">
   <p:tag name="KSO_WM_SLIDE_ID" val="custom20205176_1"/>
   <p:tag name="KSO_WM_TEMPLATE_SUBCATEGORY" val="19"/>
@@ -4325,32 +5202,176 @@
 </p:tagLst>
 </file>
 
-<file path=ppt/tags/tag71.xml><?xml version="1.0" encoding="utf-8"?>
-<p:tagLst xmlns:p="http://schemas.openxmlformats.org/presentationml/2006/main">
-  <p:tag name="COMMONDATA" val="eyJoZGlkIjoiMGNiYmI5YWVjOTk5ZjZhOWZjNGUxNjlhNTAzYmI0NWQifQ=="/>
-</p:tagLst>
-</file>
-
-<file path=ppt/tags/tag8.xml><?xml version="1.0" encoding="utf-8"?>
+<file path=ppt/tags/tag66.xml><?xml version="1.0" encoding="utf-8"?>
+<p:tagLst xmlns:p="http://schemas.openxmlformats.org/presentationml/2006/main">
+  <p:tag name="KSO_WM_BEAUTIFY_FLAG" val="#wm#"/>
+  <p:tag name="KSO_WM_TEMPLATE_CATEGORY" val="custom"/>
+  <p:tag name="KSO_WM_TEMPLATE_INDEX" val="20205176"/>
+</p:tagLst>
+</file>
+
+<file path=ppt/tags/tag67.xml><?xml version="1.0" encoding="utf-8"?>
+<p:tagLst xmlns:p="http://schemas.openxmlformats.org/presentationml/2006/main">
+  <p:tag name="KSO_WM_BEAUTIFY_FLAG" val="#wm#"/>
+  <p:tag name="KSO_WM_TEMPLATE_CATEGORY" val="custom"/>
+  <p:tag name="KSO_WM_TEMPLATE_INDEX" val="20205176"/>
+</p:tagLst>
+</file>
+
+<file path=ppt/tags/tag68.xml><?xml version="1.0" encoding="utf-8"?>
+<p:tagLst xmlns:p="http://schemas.openxmlformats.org/presentationml/2006/main">
+  <p:tag name="KSO_WM_BEAUTIFY_FLAG" val="#wm#"/>
+  <p:tag name="KSO_WM_TEMPLATE_CATEGORY" val="custom"/>
+  <p:tag name="KSO_WM_TEMPLATE_INDEX" val="20205176"/>
+</p:tagLst>
+</file>
+
+<file path=ppt/tags/tag69.xml><?xml version="1.0" encoding="utf-8"?>
+<p:tagLst xmlns:p="http://schemas.openxmlformats.org/presentationml/2006/main">
+  <p:tag name="KSO_WM_BEAUTIFY_FLAG" val=""/>
+</p:tagLst>
+</file>
+
+<file path=ppt/tags/tag7.xml><?xml version="1.0" encoding="utf-8"?>
 <p:tagLst xmlns:p="http://schemas.openxmlformats.org/presentationml/2006/main">
   <p:tag name="KSO_WM_UNIT_HIGHLIGHT" val="0"/>
   <p:tag name="KSO_WM_UNIT_COMPATIBLE" val="0"/>
   <p:tag name="KSO_WM_UNIT_DIAGRAM_ISNUMVISUAL" val="0"/>
   <p:tag name="KSO_WM_UNIT_DIAGRAM_ISREFERUNIT" val="0"/>
-  <p:tag name="KSO_WM_UNIT_ID" val="_2**"/>
+  <p:tag name="KSO_WM_UNIT_ID" val="_3**"/>
   <p:tag name="KSO_WM_UNIT_LAYERLEVEL" val="1"/>
   <p:tag name="KSO_WM_TAG_VERSION" val="1.0"/>
   <p:tag name="KSO_WM_BEAUTIFY_FLAG" val="#wm#"/>
 </p:tagLst>
 </file>
 
-<file path=ppt/tags/tag9.xml><?xml version="1.0" encoding="utf-8"?>
+<file path=ppt/tags/tag70.xml><?xml version="1.0" encoding="utf-8"?>
+<p:tagLst xmlns:p="http://schemas.openxmlformats.org/presentationml/2006/main">
+  <p:tag name="KSO_WM_BEAUTIFY_FLAG" val=""/>
+</p:tagLst>
+</file>
+
+<file path=ppt/tags/tag71.xml><?xml version="1.0" encoding="utf-8"?>
+<p:tagLst xmlns:p="http://schemas.openxmlformats.org/presentationml/2006/main">
+  <p:tag name="KSO_WM_BEAUTIFY_FLAG" val=""/>
+</p:tagLst>
+</file>
+
+<file path=ppt/tags/tag72.xml><?xml version="1.0" encoding="utf-8"?>
+<p:tagLst xmlns:p="http://schemas.openxmlformats.org/presentationml/2006/main">
+  <p:tag name="KSO_WM_BEAUTIFY_FLAG" val=""/>
+</p:tagLst>
+</file>
+
+<file path=ppt/tags/tag73.xml><?xml version="1.0" encoding="utf-8"?>
+<p:tagLst xmlns:p="http://schemas.openxmlformats.org/presentationml/2006/main">
+  <p:tag name="KSO_WM_BEAUTIFY_FLAG" val=""/>
+</p:tagLst>
+</file>
+
+<file path=ppt/tags/tag74.xml><?xml version="1.0" encoding="utf-8"?>
+<p:tagLst xmlns:p="http://schemas.openxmlformats.org/presentationml/2006/main">
+  <p:tag name="KSO_WM_BEAUTIFY_FLAG" val=""/>
+</p:tagLst>
+</file>
+
+<file path=ppt/tags/tag75.xml><?xml version="1.0" encoding="utf-8"?>
+<p:tagLst xmlns:p="http://schemas.openxmlformats.org/presentationml/2006/main">
+  <p:tag name="KSO_WM_BEAUTIFY_FLAG" val=""/>
+</p:tagLst>
+</file>
+
+<file path=ppt/tags/tag76.xml><?xml version="1.0" encoding="utf-8"?>
+<p:tagLst xmlns:p="http://schemas.openxmlformats.org/presentationml/2006/main">
+  <p:tag name="KSO_WM_BEAUTIFY_FLAG" val=""/>
+</p:tagLst>
+</file>
+
+<file path=ppt/tags/tag77.xml><?xml version="1.0" encoding="utf-8"?>
+<p:tagLst xmlns:p="http://schemas.openxmlformats.org/presentationml/2006/main">
+  <p:tag name="KSO_WM_BEAUTIFY_FLAG" val=""/>
+</p:tagLst>
+</file>
+
+<file path=ppt/tags/tag78.xml><?xml version="1.0" encoding="utf-8"?>
+<p:tagLst xmlns:p="http://schemas.openxmlformats.org/presentationml/2006/main">
+  <p:tag name="KSO_WM_BEAUTIFY_FLAG" val=""/>
+</p:tagLst>
+</file>
+
+<file path=ppt/tags/tag79.xml><?xml version="1.0" encoding="utf-8"?>
+<p:tagLst xmlns:p="http://schemas.openxmlformats.org/presentationml/2006/main">
+  <p:tag name="KSO_WM_BEAUTIFY_FLAG" val=""/>
+</p:tagLst>
+</file>
+
+<file path=ppt/tags/tag8.xml><?xml version="1.0" encoding="utf-8"?>
 <p:tagLst xmlns:p="http://schemas.openxmlformats.org/presentationml/2006/main">
   <p:tag name="KSO_WM_UNIT_HIGHLIGHT" val="0"/>
   <p:tag name="KSO_WM_UNIT_COMPATIBLE" val="0"/>
   <p:tag name="KSO_WM_UNIT_DIAGRAM_ISNUMVISUAL" val="0"/>
   <p:tag name="KSO_WM_UNIT_DIAGRAM_ISREFERUNIT" val="0"/>
-  <p:tag name="KSO_WM_UNIT_ID" val="_2**"/>
+  <p:tag name="KSO_WM_UNIT_ID" val="_3**"/>
+  <p:tag name="KSO_WM_UNIT_LAYERLEVEL" val="1"/>
+  <p:tag name="KSO_WM_TAG_VERSION" val="1.0"/>
+  <p:tag name="KSO_WM_BEAUTIFY_FLAG" val="#wm#"/>
+</p:tagLst>
+</file>
+
+<file path=ppt/tags/tag80.xml><?xml version="1.0" encoding="utf-8"?>
+<p:tagLst xmlns:p="http://schemas.openxmlformats.org/presentationml/2006/main">
+  <p:tag name="KSO_WM_BEAUTIFY_FLAG" val=""/>
+</p:tagLst>
+</file>
+
+<file path=ppt/tags/tag81.xml><?xml version="1.0" encoding="utf-8"?>
+<p:tagLst xmlns:p="http://schemas.openxmlformats.org/presentationml/2006/main">
+  <p:tag name="KSO_WM_BEAUTIFY_FLAG" val=""/>
+</p:tagLst>
+</file>
+
+<file path=ppt/tags/tag82.xml><?xml version="1.0" encoding="utf-8"?>
+<p:tagLst xmlns:p="http://schemas.openxmlformats.org/presentationml/2006/main">
+  <p:tag name="KSO_WM_BEAUTIFY_FLAG" val=""/>
+</p:tagLst>
+</file>
+
+<file path=ppt/tags/tag83.xml><?xml version="1.0" encoding="utf-8"?>
+<p:tagLst xmlns:p="http://schemas.openxmlformats.org/presentationml/2006/main">
+  <p:tag name="KSO_WM_BEAUTIFY_FLAG" val=""/>
+</p:tagLst>
+</file>
+
+<file path=ppt/tags/tag84.xml><?xml version="1.0" encoding="utf-8"?>
+<p:tagLst xmlns:p="http://schemas.openxmlformats.org/presentationml/2006/main">
+  <p:tag name="KSO_WM_BEAUTIFY_FLAG" val="#wm#"/>
+  <p:tag name="KSO_WM_TEMPLATE_CATEGORY" val="custom"/>
+  <p:tag name="KSO_WM_TEMPLATE_INDEX" val="20205176"/>
+</p:tagLst>
+</file>
+
+<file path=ppt/tags/tag85.xml><?xml version="1.0" encoding="utf-8"?>
+<p:tagLst xmlns:p="http://schemas.openxmlformats.org/presentationml/2006/main">
+  <p:tag name="KSO_WM_BEAUTIFY_FLAG" val="#wm#"/>
+  <p:tag name="KSO_WM_TEMPLATE_CATEGORY" val="custom"/>
+  <p:tag name="KSO_WM_TEMPLATE_INDEX" val="20205176"/>
+</p:tagLst>
+</file>
+
+<file path=ppt/tags/tag86.xml><?xml version="1.0" encoding="utf-8"?>
+<p:tagLst xmlns:p="http://schemas.openxmlformats.org/presentationml/2006/main">
+  <p:tag name="COMMONDATA" val="eyJoZGlkIjoiMGNiYmI5YWVjOTk5ZjZhOWZjNGUxNjlhNTAzYmI0NWQifQ=="/>
+  <p:tag name="KSO_WPP_MARK_KEY" val="4e47c771-94d5-4782-b574-9f4d94b6806a"/>
+</p:tagLst>
+</file>
+
+<file path=ppt/tags/tag9.xml><?xml version="1.0" encoding="utf-8"?>
+<p:tagLst xmlns:p="http://schemas.openxmlformats.org/presentationml/2006/main">
+  <p:tag name="KSO_WM_UNIT_HIGHLIGHT" val="0"/>
+  <p:tag name="KSO_WM_UNIT_COMPATIBLE" val="0"/>
+  <p:tag name="KSO_WM_UNIT_DIAGRAM_ISNUMVISUAL" val="0"/>
+  <p:tag name="KSO_WM_UNIT_DIAGRAM_ISREFERUNIT" val="0"/>
+  <p:tag name="KSO_WM_UNIT_ID" val="_3**"/>
   <p:tag name="KSO_WM_UNIT_LAYERLEVEL" val="1"/>
   <p:tag name="KSO_WM_TAG_VERSION" val="1.0"/>
   <p:tag name="KSO_WM_BEAUTIFY_FLAG" val="#wm#"/>
